--- a/Presentation/DSCI-644.pptx
+++ b/Presentation/DSCI-644.pptx
@@ -39,6 +39,7 @@
     <p:sldId id="284" r:id="rId34"/>
     <p:sldId id="285" r:id="rId35"/>
     <p:sldId id="286" r:id="rId36"/>
+    <p:sldId id="287" r:id="rId37"/>
   </p:sldIdLst>
   <p:sldSz cy="5143500" cx="9144000"/>
   <p:notesSz cx="6858000" cy="9144000"/>
@@ -820,7 +821,7 @@
   <p:cSld>
     <p:spTree>
       <p:nvGrpSpPr>
-        <p:cNvPr id="105" name="Shape 105"/>
+        <p:cNvPr id="104" name="Shape 104"/>
         <p:cNvGrpSpPr/>
         <p:nvPr/>
       </p:nvGrpSpPr>
@@ -834,7 +835,7 @@
       </p:grpSpPr>
       <p:sp>
         <p:nvSpPr>
-          <p:cNvPr id="106" name="Google Shape;106;gac366a5942_0_26:notes"/>
+          <p:cNvPr id="105" name="Google Shape;105;gac366a5942_0_26:notes"/>
           <p:cNvSpPr/>
           <p:nvPr>
             <p:ph idx="2" type="sldImg"/>
@@ -869,7 +870,7 @@
       </p:sp>
       <p:sp>
         <p:nvSpPr>
-          <p:cNvPr id="107" name="Google Shape;107;gac366a5942_0_26:notes"/>
+          <p:cNvPr id="106" name="Google Shape;106;gac366a5942_0_26:notes"/>
           <p:cNvSpPr txBox="1"/>
           <p:nvPr>
             <p:ph idx="1" type="body"/>
@@ -919,7 +920,7 @@
   <p:cSld>
     <p:spTree>
       <p:nvGrpSpPr>
-        <p:cNvPr id="111" name="Shape 111"/>
+        <p:cNvPr id="110" name="Shape 110"/>
         <p:cNvGrpSpPr/>
         <p:nvPr/>
       </p:nvGrpSpPr>
@@ -933,7 +934,7 @@
       </p:grpSpPr>
       <p:sp>
         <p:nvSpPr>
-          <p:cNvPr id="112" name="Google Shape;112;gac366a5942_0_31:notes"/>
+          <p:cNvPr id="111" name="Google Shape;111;gac366a5942_0_31:notes"/>
           <p:cNvSpPr/>
           <p:nvPr>
             <p:ph idx="2" type="sldImg"/>
@@ -968,7 +969,7 @@
       </p:sp>
       <p:sp>
         <p:nvSpPr>
-          <p:cNvPr id="113" name="Google Shape;113;gac366a5942_0_31:notes"/>
+          <p:cNvPr id="112" name="Google Shape;112;gac366a5942_0_31:notes"/>
           <p:cNvSpPr txBox="1"/>
           <p:nvPr>
             <p:ph idx="1" type="body"/>
@@ -1018,7 +1019,7 @@
   <p:cSld>
     <p:spTree>
       <p:nvGrpSpPr>
-        <p:cNvPr id="119" name="Shape 119"/>
+        <p:cNvPr id="118" name="Shape 118"/>
         <p:cNvGrpSpPr/>
         <p:nvPr/>
       </p:nvGrpSpPr>
@@ -1032,7 +1033,7 @@
       </p:grpSpPr>
       <p:sp>
         <p:nvSpPr>
-          <p:cNvPr id="120" name="Google Shape;120;gac366a5942_0_36:notes"/>
+          <p:cNvPr id="119" name="Google Shape;119;gac366a5942_0_36:notes"/>
           <p:cNvSpPr/>
           <p:nvPr>
             <p:ph idx="2" type="sldImg"/>
@@ -1067,7 +1068,7 @@
       </p:sp>
       <p:sp>
         <p:nvSpPr>
-          <p:cNvPr id="121" name="Google Shape;121;gac366a5942_0_36:notes"/>
+          <p:cNvPr id="120" name="Google Shape;120;gac366a5942_0_36:notes"/>
           <p:cNvSpPr txBox="1"/>
           <p:nvPr>
             <p:ph idx="1" type="body"/>
@@ -1117,7 +1118,7 @@
   <p:cSld>
     <p:spTree>
       <p:nvGrpSpPr>
-        <p:cNvPr id="125" name="Shape 125"/>
+        <p:cNvPr id="124" name="Shape 124"/>
         <p:cNvGrpSpPr/>
         <p:nvPr/>
       </p:nvGrpSpPr>
@@ -1131,7 +1132,7 @@
       </p:grpSpPr>
       <p:sp>
         <p:nvSpPr>
-          <p:cNvPr id="126" name="Google Shape;126;gac366a5942_3_16:notes"/>
+          <p:cNvPr id="125" name="Google Shape;125;gac366a5942_3_16:notes"/>
           <p:cNvSpPr/>
           <p:nvPr>
             <p:ph idx="2" type="sldImg"/>
@@ -1166,7 +1167,7 @@
       </p:sp>
       <p:sp>
         <p:nvSpPr>
-          <p:cNvPr id="127" name="Google Shape;127;gac366a5942_3_16:notes"/>
+          <p:cNvPr id="126" name="Google Shape;126;gac366a5942_3_16:notes"/>
           <p:cNvSpPr txBox="1"/>
           <p:nvPr>
             <p:ph idx="1" type="body"/>
@@ -1216,7 +1217,7 @@
   <p:cSld>
     <p:spTree>
       <p:nvGrpSpPr>
-        <p:cNvPr id="131" name="Shape 131"/>
+        <p:cNvPr id="130" name="Shape 130"/>
         <p:cNvGrpSpPr/>
         <p:nvPr/>
       </p:nvGrpSpPr>
@@ -1230,7 +1231,7 @@
       </p:grpSpPr>
       <p:sp>
         <p:nvSpPr>
-          <p:cNvPr id="132" name="Google Shape;132;gac366a5942_0_48:notes"/>
+          <p:cNvPr id="131" name="Google Shape;131;gac366a5942_0_48:notes"/>
           <p:cNvSpPr/>
           <p:nvPr>
             <p:ph idx="2" type="sldImg"/>
@@ -1265,7 +1266,7 @@
       </p:sp>
       <p:sp>
         <p:nvSpPr>
-          <p:cNvPr id="133" name="Google Shape;133;gac366a5942_0_48:notes"/>
+          <p:cNvPr id="132" name="Google Shape;132;gac366a5942_0_48:notes"/>
           <p:cNvSpPr txBox="1"/>
           <p:nvPr>
             <p:ph idx="1" type="body"/>
@@ -1315,7 +1316,7 @@
   <p:cSld>
     <p:spTree>
       <p:nvGrpSpPr>
-        <p:cNvPr id="137" name="Shape 137"/>
+        <p:cNvPr id="136" name="Shape 136"/>
         <p:cNvGrpSpPr/>
         <p:nvPr/>
       </p:nvGrpSpPr>
@@ -1329,7 +1330,7 @@
       </p:grpSpPr>
       <p:sp>
         <p:nvSpPr>
-          <p:cNvPr id="138" name="Google Shape;138;gac366a5942_3_23:notes"/>
+          <p:cNvPr id="137" name="Google Shape;137;gac366a5942_3_23:notes"/>
           <p:cNvSpPr/>
           <p:nvPr>
             <p:ph idx="2" type="sldImg"/>
@@ -1364,7 +1365,7 @@
       </p:sp>
       <p:sp>
         <p:nvSpPr>
-          <p:cNvPr id="139" name="Google Shape;139;gac366a5942_3_23:notes"/>
+          <p:cNvPr id="138" name="Google Shape;138;gac366a5942_3_23:notes"/>
           <p:cNvSpPr txBox="1"/>
           <p:nvPr>
             <p:ph idx="1" type="body"/>
@@ -1414,7 +1415,7 @@
   <p:cSld>
     <p:spTree>
       <p:nvGrpSpPr>
-        <p:cNvPr id="143" name="Shape 143"/>
+        <p:cNvPr id="142" name="Shape 142"/>
         <p:cNvGrpSpPr/>
         <p:nvPr/>
       </p:nvGrpSpPr>
@@ -1428,7 +1429,7 @@
       </p:grpSpPr>
       <p:sp>
         <p:nvSpPr>
-          <p:cNvPr id="144" name="Google Shape;144;gac366a5942_3_28:notes"/>
+          <p:cNvPr id="143" name="Google Shape;143;gac366a5942_3_28:notes"/>
           <p:cNvSpPr/>
           <p:nvPr>
             <p:ph idx="2" type="sldImg"/>
@@ -1463,7 +1464,7 @@
       </p:sp>
       <p:sp>
         <p:nvSpPr>
-          <p:cNvPr id="145" name="Google Shape;145;gac366a5942_3_28:notes"/>
+          <p:cNvPr id="144" name="Google Shape;144;gac366a5942_3_28:notes"/>
           <p:cNvSpPr txBox="1"/>
           <p:nvPr>
             <p:ph idx="1" type="body"/>
@@ -1513,7 +1514,7 @@
   <p:cSld>
     <p:spTree>
       <p:nvGrpSpPr>
-        <p:cNvPr id="149" name="Shape 149"/>
+        <p:cNvPr id="148" name="Shape 148"/>
         <p:cNvGrpSpPr/>
         <p:nvPr/>
       </p:nvGrpSpPr>
@@ -1527,7 +1528,7 @@
       </p:grpSpPr>
       <p:sp>
         <p:nvSpPr>
-          <p:cNvPr id="150" name="Google Shape;150;gac366a5942_3_33:notes"/>
+          <p:cNvPr id="149" name="Google Shape;149;gac366a5942_3_33:notes"/>
           <p:cNvSpPr/>
           <p:nvPr>
             <p:ph idx="2" type="sldImg"/>
@@ -1562,7 +1563,7 @@
       </p:sp>
       <p:sp>
         <p:nvSpPr>
-          <p:cNvPr id="151" name="Google Shape;151;gac366a5942_3_33:notes"/>
+          <p:cNvPr id="150" name="Google Shape;150;gac366a5942_3_33:notes"/>
           <p:cNvSpPr txBox="1"/>
           <p:nvPr>
             <p:ph idx="1" type="body"/>
@@ -1612,7 +1613,7 @@
   <p:cSld>
     <p:spTree>
       <p:nvGrpSpPr>
-        <p:cNvPr id="155" name="Shape 155"/>
+        <p:cNvPr id="154" name="Shape 154"/>
         <p:cNvGrpSpPr/>
         <p:nvPr/>
       </p:nvGrpSpPr>
@@ -1626,7 +1627,7 @@
       </p:grpSpPr>
       <p:sp>
         <p:nvSpPr>
-          <p:cNvPr id="156" name="Google Shape;156;gac366a5942_3_38:notes"/>
+          <p:cNvPr id="155" name="Google Shape;155;gac366a5942_3_38:notes"/>
           <p:cNvSpPr/>
           <p:nvPr>
             <p:ph idx="2" type="sldImg"/>
@@ -1661,7 +1662,7 @@
       </p:sp>
       <p:sp>
         <p:nvSpPr>
-          <p:cNvPr id="157" name="Google Shape;157;gac366a5942_3_38:notes"/>
+          <p:cNvPr id="156" name="Google Shape;156;gac366a5942_3_38:notes"/>
           <p:cNvSpPr txBox="1"/>
           <p:nvPr>
             <p:ph idx="1" type="body"/>
@@ -1711,7 +1712,7 @@
   <p:cSld>
     <p:spTree>
       <p:nvGrpSpPr>
-        <p:cNvPr id="161" name="Shape 161"/>
+        <p:cNvPr id="160" name="Shape 160"/>
         <p:cNvGrpSpPr/>
         <p:nvPr/>
       </p:nvGrpSpPr>
@@ -1725,7 +1726,7 @@
       </p:grpSpPr>
       <p:sp>
         <p:nvSpPr>
-          <p:cNvPr id="162" name="Google Shape;162;gac366a5942_3_43:notes"/>
+          <p:cNvPr id="161" name="Google Shape;161;gac366a5942_3_43:notes"/>
           <p:cNvSpPr/>
           <p:nvPr>
             <p:ph idx="2" type="sldImg"/>
@@ -1760,7 +1761,7 @@
       </p:sp>
       <p:sp>
         <p:nvSpPr>
-          <p:cNvPr id="163" name="Google Shape;163;gac366a5942_3_43:notes"/>
+          <p:cNvPr id="162" name="Google Shape;162;gac366a5942_3_43:notes"/>
           <p:cNvSpPr txBox="1"/>
           <p:nvPr>
             <p:ph idx="1" type="body"/>
@@ -1909,7 +1910,7 @@
   <p:cSld>
     <p:spTree>
       <p:nvGrpSpPr>
-        <p:cNvPr id="167" name="Shape 167"/>
+        <p:cNvPr id="166" name="Shape 166"/>
         <p:cNvGrpSpPr/>
         <p:nvPr/>
       </p:nvGrpSpPr>
@@ -1923,7 +1924,7 @@
       </p:grpSpPr>
       <p:sp>
         <p:nvSpPr>
-          <p:cNvPr id="168" name="Google Shape;168;ga1065c7968_0_12:notes"/>
+          <p:cNvPr id="167" name="Google Shape;167;gab2c6e38f5_0_5:notes"/>
           <p:cNvSpPr/>
           <p:nvPr>
             <p:ph idx="2" type="sldImg"/>
@@ -1958,7 +1959,7 @@
       </p:sp>
       <p:sp>
         <p:nvSpPr>
-          <p:cNvPr id="169" name="Google Shape;169;ga1065c7968_0_12:notes"/>
+          <p:cNvPr id="168" name="Google Shape;168;gab2c6e38f5_0_5:notes"/>
           <p:cNvSpPr txBox="1"/>
           <p:nvPr>
             <p:ph idx="1" type="body"/>
@@ -2008,7 +2009,7 @@
   <p:cSld>
     <p:spTree>
       <p:nvGrpSpPr>
-        <p:cNvPr id="173" name="Shape 173"/>
+        <p:cNvPr id="172" name="Shape 172"/>
         <p:cNvGrpSpPr/>
         <p:nvPr/>
       </p:nvGrpSpPr>
@@ -2022,7 +2023,7 @@
       </p:grpSpPr>
       <p:sp>
         <p:nvSpPr>
-          <p:cNvPr id="174" name="Google Shape;174;gab2c6e38f5_0_5:notes"/>
+          <p:cNvPr id="173" name="Google Shape;173;gac96c032b2_1_2:notes"/>
           <p:cNvSpPr/>
           <p:nvPr>
             <p:ph idx="2" type="sldImg"/>
@@ -2057,7 +2058,7 @@
       </p:sp>
       <p:sp>
         <p:nvSpPr>
-          <p:cNvPr id="175" name="Google Shape;175;gab2c6e38f5_0_5:notes"/>
+          <p:cNvPr id="174" name="Google Shape;174;gac96c032b2_1_2:notes"/>
           <p:cNvSpPr txBox="1"/>
           <p:nvPr>
             <p:ph idx="1" type="body"/>
@@ -2107,7 +2108,7 @@
   <p:cSld>
     <p:spTree>
       <p:nvGrpSpPr>
-        <p:cNvPr id="179" name="Shape 179"/>
+        <p:cNvPr id="178" name="Shape 178"/>
         <p:cNvGrpSpPr/>
         <p:nvPr/>
       </p:nvGrpSpPr>
@@ -2121,7 +2122,7 @@
       </p:grpSpPr>
       <p:sp>
         <p:nvSpPr>
-          <p:cNvPr id="180" name="Google Shape;180;gab2c6e38f5_0_0:notes"/>
+          <p:cNvPr id="179" name="Google Shape;179;gab2c6e38f5_0_0:notes"/>
           <p:cNvSpPr/>
           <p:nvPr>
             <p:ph idx="2" type="sldImg"/>
@@ -2156,7 +2157,7 @@
       </p:sp>
       <p:sp>
         <p:nvSpPr>
-          <p:cNvPr id="181" name="Google Shape;181;gab2c6e38f5_0_0:notes"/>
+          <p:cNvPr id="180" name="Google Shape;180;gab2c6e38f5_0_0:notes"/>
           <p:cNvSpPr txBox="1"/>
           <p:nvPr>
             <p:ph idx="1" type="body"/>
@@ -2206,7 +2207,7 @@
   <p:cSld>
     <p:spTree>
       <p:nvGrpSpPr>
-        <p:cNvPr id="185" name="Shape 185"/>
+        <p:cNvPr id="184" name="Shape 184"/>
         <p:cNvGrpSpPr/>
         <p:nvPr/>
       </p:nvGrpSpPr>
@@ -2220,7 +2221,7 @@
       </p:grpSpPr>
       <p:sp>
         <p:nvSpPr>
-          <p:cNvPr id="186" name="Google Shape;186;gac366a5942_3_63:notes"/>
+          <p:cNvPr id="185" name="Google Shape;185;gac366a5942_3_63:notes"/>
           <p:cNvSpPr/>
           <p:nvPr>
             <p:ph idx="2" type="sldImg"/>
@@ -2255,7 +2256,7 @@
       </p:sp>
       <p:sp>
         <p:nvSpPr>
-          <p:cNvPr id="187" name="Google Shape;187;gac366a5942_3_63:notes"/>
+          <p:cNvPr id="186" name="Google Shape;186;gac366a5942_3_63:notes"/>
           <p:cNvSpPr txBox="1"/>
           <p:nvPr>
             <p:ph idx="1" type="body"/>
@@ -2305,7 +2306,7 @@
   <p:cSld>
     <p:spTree>
       <p:nvGrpSpPr>
-        <p:cNvPr id="191" name="Shape 191"/>
+        <p:cNvPr id="190" name="Shape 190"/>
         <p:cNvGrpSpPr/>
         <p:nvPr/>
       </p:nvGrpSpPr>
@@ -2319,7 +2320,7 @@
       </p:grpSpPr>
       <p:sp>
         <p:nvSpPr>
-          <p:cNvPr id="192" name="Google Shape;192;gac366a5942_3_48:notes"/>
+          <p:cNvPr id="191" name="Google Shape;191;gac366a5942_3_48:notes"/>
           <p:cNvSpPr/>
           <p:nvPr>
             <p:ph idx="2" type="sldImg"/>
@@ -2354,7 +2355,7 @@
       </p:sp>
       <p:sp>
         <p:nvSpPr>
-          <p:cNvPr id="193" name="Google Shape;193;gac366a5942_3_48:notes"/>
+          <p:cNvPr id="192" name="Google Shape;192;gac366a5942_3_48:notes"/>
           <p:cNvSpPr txBox="1"/>
           <p:nvPr>
             <p:ph idx="1" type="body"/>
@@ -2404,7 +2405,7 @@
   <p:cSld>
     <p:spTree>
       <p:nvGrpSpPr>
-        <p:cNvPr id="197" name="Shape 197"/>
+        <p:cNvPr id="196" name="Shape 196"/>
         <p:cNvGrpSpPr/>
         <p:nvPr/>
       </p:nvGrpSpPr>
@@ -2418,7 +2419,7 @@
       </p:grpSpPr>
       <p:sp>
         <p:nvSpPr>
-          <p:cNvPr id="198" name="Google Shape;198;gac366a5942_3_53:notes"/>
+          <p:cNvPr id="197" name="Google Shape;197;gac366a5942_3_53:notes"/>
           <p:cNvSpPr/>
           <p:nvPr>
             <p:ph idx="2" type="sldImg"/>
@@ -2453,7 +2454,7 @@
       </p:sp>
       <p:sp>
         <p:nvSpPr>
-          <p:cNvPr id="199" name="Google Shape;199;gac366a5942_3_53:notes"/>
+          <p:cNvPr id="198" name="Google Shape;198;gac366a5942_3_53:notes"/>
           <p:cNvSpPr txBox="1"/>
           <p:nvPr>
             <p:ph idx="1" type="body"/>
@@ -2503,7 +2504,7 @@
   <p:cSld>
     <p:spTree>
       <p:nvGrpSpPr>
-        <p:cNvPr id="203" name="Shape 203"/>
+        <p:cNvPr id="202" name="Shape 202"/>
         <p:cNvGrpSpPr/>
         <p:nvPr/>
       </p:nvGrpSpPr>
@@ -2517,7 +2518,7 @@
       </p:grpSpPr>
       <p:sp>
         <p:nvSpPr>
-          <p:cNvPr id="204" name="Google Shape;204;gac366a5942_3_58:notes"/>
+          <p:cNvPr id="203" name="Google Shape;203;gac366a5942_3_58:notes"/>
           <p:cNvSpPr/>
           <p:nvPr>
             <p:ph idx="2" type="sldImg"/>
@@ -2552,7 +2553,7 @@
       </p:sp>
       <p:sp>
         <p:nvSpPr>
-          <p:cNvPr id="205" name="Google Shape;205;gac366a5942_3_58:notes"/>
+          <p:cNvPr id="204" name="Google Shape;204;gac366a5942_3_58:notes"/>
           <p:cNvSpPr txBox="1"/>
           <p:nvPr>
             <p:ph idx="1" type="body"/>
@@ -2602,7 +2603,7 @@
   <p:cSld>
     <p:spTree>
       <p:nvGrpSpPr>
-        <p:cNvPr id="209" name="Shape 209"/>
+        <p:cNvPr id="208" name="Shape 208"/>
         <p:cNvGrpSpPr/>
         <p:nvPr/>
       </p:nvGrpSpPr>
@@ -2616,7 +2617,7 @@
       </p:grpSpPr>
       <p:sp>
         <p:nvSpPr>
-          <p:cNvPr id="210" name="Google Shape;210;ga1065c7968_0_17:notes"/>
+          <p:cNvPr id="209" name="Google Shape;209;ga1065c7968_0_17:notes"/>
           <p:cNvSpPr/>
           <p:nvPr>
             <p:ph idx="2" type="sldImg"/>
@@ -2651,7 +2652,7 @@
       </p:sp>
       <p:sp>
         <p:nvSpPr>
-          <p:cNvPr id="211" name="Google Shape;211;ga1065c7968_0_17:notes"/>
+          <p:cNvPr id="210" name="Google Shape;210;ga1065c7968_0_17:notes"/>
           <p:cNvSpPr txBox="1"/>
           <p:nvPr>
             <p:ph idx="1" type="body"/>
@@ -2701,7 +2702,7 @@
   <p:cSld>
     <p:spTree>
       <p:nvGrpSpPr>
-        <p:cNvPr id="215" name="Shape 215"/>
+        <p:cNvPr id="214" name="Shape 214"/>
         <p:cNvGrpSpPr/>
         <p:nvPr/>
       </p:nvGrpSpPr>
@@ -2715,7 +2716,7 @@
       </p:grpSpPr>
       <p:sp>
         <p:nvSpPr>
-          <p:cNvPr id="216" name="Google Shape;216;gab2c6e38f5_0_10:notes"/>
+          <p:cNvPr id="215" name="Google Shape;215;gab2c6e38f5_0_10:notes"/>
           <p:cNvSpPr/>
           <p:nvPr>
             <p:ph idx="2" type="sldImg"/>
@@ -2750,7 +2751,7 @@
       </p:sp>
       <p:sp>
         <p:nvSpPr>
-          <p:cNvPr id="217" name="Google Shape;217;gab2c6e38f5_0_10:notes"/>
+          <p:cNvPr id="216" name="Google Shape;216;gab2c6e38f5_0_10:notes"/>
           <p:cNvSpPr txBox="1"/>
           <p:nvPr>
             <p:ph idx="1" type="body"/>
@@ -2800,7 +2801,7 @@
   <p:cSld>
     <p:spTree>
       <p:nvGrpSpPr>
-        <p:cNvPr id="221" name="Shape 221"/>
+        <p:cNvPr id="220" name="Shape 220"/>
         <p:cNvGrpSpPr/>
         <p:nvPr/>
       </p:nvGrpSpPr>
@@ -2814,7 +2815,7 @@
       </p:grpSpPr>
       <p:sp>
         <p:nvSpPr>
-          <p:cNvPr id="222" name="Google Shape;222;ga1065c7968_0_22:notes"/>
+          <p:cNvPr id="221" name="Google Shape;221;ga1065c7968_0_12:notes"/>
           <p:cNvSpPr/>
           <p:nvPr>
             <p:ph idx="2" type="sldImg"/>
@@ -2849,7 +2850,7 @@
       </p:sp>
       <p:sp>
         <p:nvSpPr>
-          <p:cNvPr id="223" name="Google Shape;223;ga1065c7968_0_22:notes"/>
+          <p:cNvPr id="222" name="Google Shape;222;ga1065c7968_0_12:notes"/>
           <p:cNvSpPr txBox="1"/>
           <p:nvPr>
             <p:ph idx="1" type="body"/>
@@ -2998,7 +2999,7 @@
   <p:cSld>
     <p:spTree>
       <p:nvGrpSpPr>
-        <p:cNvPr id="227" name="Shape 227"/>
+        <p:cNvPr id="226" name="Shape 226"/>
         <p:cNvGrpSpPr/>
         <p:nvPr/>
       </p:nvGrpSpPr>
@@ -3012,7 +3013,7 @@
       </p:grpSpPr>
       <p:sp>
         <p:nvSpPr>
-          <p:cNvPr id="228" name="Google Shape;228;ga0f84bbb5d_0_0:notes"/>
+          <p:cNvPr id="227" name="Google Shape;227;ga1065c7968_0_22:notes"/>
           <p:cNvSpPr/>
           <p:nvPr>
             <p:ph idx="2" type="sldImg"/>
@@ -3047,7 +3048,7 @@
       </p:sp>
       <p:sp>
         <p:nvSpPr>
-          <p:cNvPr id="229" name="Google Shape;229;ga0f84bbb5d_0_0:notes"/>
+          <p:cNvPr id="228" name="Google Shape;228;ga1065c7968_0_22:notes"/>
           <p:cNvSpPr txBox="1"/>
           <p:nvPr>
             <p:ph idx="1" type="body"/>
@@ -3097,7 +3098,7 @@
   <p:cSld>
     <p:spTree>
       <p:nvGrpSpPr>
-        <p:cNvPr id="233" name="Shape 233"/>
+        <p:cNvPr id="232" name="Shape 232"/>
         <p:cNvGrpSpPr/>
         <p:nvPr/>
       </p:nvGrpSpPr>
@@ -3111,7 +3112,7 @@
       </p:grpSpPr>
       <p:sp>
         <p:nvSpPr>
-          <p:cNvPr id="234" name="Google Shape;234;ga1065c7968_0_7:notes"/>
+          <p:cNvPr id="233" name="Google Shape;233;ga0f84bbb5d_0_0:notes"/>
           <p:cNvSpPr/>
           <p:nvPr>
             <p:ph idx="2" type="sldImg"/>
@@ -3146,7 +3147,106 @@
       </p:sp>
       <p:sp>
         <p:nvSpPr>
-          <p:cNvPr id="235" name="Google Shape;235;ga1065c7968_0_7:notes"/>
+          <p:cNvPr id="234" name="Google Shape;234;ga0f84bbb5d_0_0:notes"/>
+          <p:cNvSpPr txBox="1"/>
+          <p:nvPr>
+            <p:ph idx="1" type="body"/>
+          </p:nvPr>
+        </p:nvSpPr>
+        <p:spPr>
+          <a:xfrm>
+            <a:off x="685800" y="4343400"/>
+            <a:ext cx="5486400" cy="4114800"/>
+          </a:xfrm>
+          <a:prstGeom prst="rect">
+            <a:avLst/>
+          </a:prstGeom>
+        </p:spPr>
+        <p:txBody>
+          <a:bodyPr anchorCtr="0" anchor="t" bIns="91425" lIns="91425" spcFirstLastPara="1" rIns="91425" wrap="square" tIns="91425">
+            <a:noAutofit/>
+          </a:bodyPr>
+          <a:lstStyle/>
+          <a:p>
+            <a:pPr indent="0" lvl="0" marL="0" rtl="0" algn="l">
+              <a:spcBef>
+                <a:spcPts val="0"/>
+              </a:spcBef>
+              <a:spcAft>
+                <a:spcPts val="0"/>
+              </a:spcAft>
+              <a:buNone/>
+            </a:pPr>
+            <a:r>
+              <a:t/>
+            </a:r>
+            <a:endParaRPr/>
+          </a:p>
+        </p:txBody>
+      </p:sp>
+    </p:spTree>
+  </p:cSld>
+  <p:clrMapOvr>
+    <a:masterClrMapping/>
+  </p:clrMapOvr>
+</p:notes>
+</file>
+
+<file path=ppt/notesSlides/notesSlide32.xml><?xml version="1.0" encoding="utf-8"?>
+<p:notes xmlns:a="http://schemas.openxmlformats.org/drawingml/2006/main" xmlns:r="http://schemas.openxmlformats.org/officeDocument/2006/relationships" xmlns:mc="http://schemas.openxmlformats.org/markup-compatibility/2006" xmlns:mv="urn:schemas-microsoft-com:mac:vml" xmlns:p="http://schemas.openxmlformats.org/presentationml/2006/main" xmlns:c="http://schemas.openxmlformats.org/drawingml/2006/chart" xmlns:dgm="http://schemas.openxmlformats.org/drawingml/2006/diagram" xmlns:o="urn:schemas-microsoft-com:office:office" xmlns:v="urn:schemas-microsoft-com:vml" xmlns:pvml="urn:schemas-microsoft-com:office:powerpoint" xmlns:com="http://schemas.openxmlformats.org/drawingml/2006/compatibility" xmlns:p14="http://schemas.microsoft.com/office/powerpoint/2010/main" xmlns:p15="http://schemas.microsoft.com/office/powerpoint/2012/main" xmlns:ahyp="http://schemas.microsoft.com/office/drawing/2018/hyperlinkcolor" showMasterPhAnim="0" showMasterSp="0">
+  <p:cSld>
+    <p:spTree>
+      <p:nvGrpSpPr>
+        <p:cNvPr id="238" name="Shape 238"/>
+        <p:cNvGrpSpPr/>
+        <p:nvPr/>
+      </p:nvGrpSpPr>
+      <p:grpSpPr>
+        <a:xfrm>
+          <a:off x="0" y="0"/>
+          <a:ext cx="0" cy="0"/>
+          <a:chOff x="0" y="0"/>
+          <a:chExt cx="0" cy="0"/>
+        </a:xfrm>
+      </p:grpSpPr>
+      <p:sp>
+        <p:nvSpPr>
+          <p:cNvPr id="239" name="Google Shape;239;ga1065c7968_0_7:notes"/>
+          <p:cNvSpPr/>
+          <p:nvPr>
+            <p:ph idx="2" type="sldImg"/>
+          </p:nvPr>
+        </p:nvSpPr>
+        <p:spPr>
+          <a:xfrm>
+            <a:off x="381300" y="685800"/>
+            <a:ext cx="6096000" cy="3429000"/>
+          </a:xfrm>
+          <a:custGeom>
+            <a:rect b="b" l="l" r="r" t="t"/>
+            <a:pathLst>
+              <a:path extrusionOk="0" h="120000" w="120000">
+                <a:moveTo>
+                  <a:pt x="0" y="0"/>
+                </a:moveTo>
+                <a:lnTo>
+                  <a:pt x="120000" y="0"/>
+                </a:lnTo>
+                <a:lnTo>
+                  <a:pt x="120000" y="120000"/>
+                </a:lnTo>
+                <a:lnTo>
+                  <a:pt x="0" y="120000"/>
+                </a:lnTo>
+                <a:close/>
+              </a:path>
+            </a:pathLst>
+          </a:custGeom>
+        </p:spPr>
+      </p:sp>
+      <p:sp>
+        <p:nvSpPr>
+          <p:cNvPr id="240" name="Google Shape;240;ga1065c7968_0_7:notes"/>
           <p:cNvSpPr txBox="1"/>
           <p:nvPr>
             <p:ph idx="1" type="body"/>
@@ -3592,7 +3692,7 @@
   <p:cSld>
     <p:spTree>
       <p:nvGrpSpPr>
-        <p:cNvPr id="93" name="Shape 93"/>
+        <p:cNvPr id="92" name="Shape 92"/>
         <p:cNvGrpSpPr/>
         <p:nvPr/>
       </p:nvGrpSpPr>
@@ -3606,7 +3706,7 @@
       </p:grpSpPr>
       <p:sp>
         <p:nvSpPr>
-          <p:cNvPr id="94" name="Google Shape;94;gac366a5942_3_0:notes"/>
+          <p:cNvPr id="93" name="Google Shape;93;gac366a5942_3_0:notes"/>
           <p:cNvSpPr/>
           <p:nvPr>
             <p:ph idx="2" type="sldImg"/>
@@ -3641,7 +3741,7 @@
       </p:sp>
       <p:sp>
         <p:nvSpPr>
-          <p:cNvPr id="95" name="Google Shape;95;gac366a5942_3_0:notes"/>
+          <p:cNvPr id="94" name="Google Shape;94;gac366a5942_3_0:notes"/>
           <p:cNvSpPr txBox="1"/>
           <p:nvPr>
             <p:ph idx="1" type="body"/>
@@ -3691,7 +3791,7 @@
   <p:cSld>
     <p:spTree>
       <p:nvGrpSpPr>
-        <p:cNvPr id="99" name="Shape 99"/>
+        <p:cNvPr id="98" name="Shape 98"/>
         <p:cNvGrpSpPr/>
         <p:nvPr/>
       </p:nvGrpSpPr>
@@ -3705,7 +3805,7 @@
       </p:grpSpPr>
       <p:sp>
         <p:nvSpPr>
-          <p:cNvPr id="100" name="Google Shape;100;gac366a5942_0_21:notes"/>
+          <p:cNvPr id="99" name="Google Shape;99;gac366a5942_0_21:notes"/>
           <p:cNvSpPr/>
           <p:nvPr>
             <p:ph idx="2" type="sldImg"/>
@@ -3740,7 +3840,7 @@
       </p:sp>
       <p:sp>
         <p:nvSpPr>
-          <p:cNvPr id="101" name="Google Shape;101;gac366a5942_0_21:notes"/>
+          <p:cNvPr id="100" name="Google Shape;100;gac366a5942_0_21:notes"/>
           <p:cNvSpPr txBox="1"/>
           <p:nvPr>
             <p:ph idx="1" type="body"/>
@@ -3762,16 +3862,20 @@
           <a:lstStyle/>
           <a:p>
             <a:pPr indent="0" lvl="0" marL="0" rtl="0" algn="l">
-              <a:spcBef>
-                <a:spcPts val="0"/>
-              </a:spcBef>
-              <a:spcAft>
-                <a:spcPts val="0"/>
-              </a:spcAft>
-              <a:buNone/>
-            </a:pPr>
-            <a:r>
-              <a:t/>
+              <a:lnSpc>
+                <a:spcPct val="115000"/>
+              </a:lnSpc>
+              <a:spcBef>
+                <a:spcPts val="0"/>
+              </a:spcBef>
+              <a:spcAft>
+                <a:spcPts val="1600"/>
+              </a:spcAft>
+              <a:buNone/>
+            </a:pPr>
+            <a:r>
+              <a:rPr lang="en"/>
+              <a:t>Much of this was done locally in PyCharm and Jupiter prior to moving to Azure for reasons of version control</a:t>
             </a:r>
             <a:endParaRPr/>
           </a:p>
@@ -8623,7 +8727,7 @@
   <p:cSld>
     <p:spTree>
       <p:nvGrpSpPr>
-        <p:cNvPr id="108" name="Shape 108"/>
+        <p:cNvPr id="107" name="Shape 107"/>
         <p:cNvGrpSpPr/>
         <p:nvPr/>
       </p:nvGrpSpPr>
@@ -8637,7 +8741,7 @@
       </p:grpSpPr>
       <p:sp>
         <p:nvSpPr>
-          <p:cNvPr id="109" name="Google Shape;109;p22"/>
+          <p:cNvPr id="108" name="Google Shape;108;p22"/>
           <p:cNvSpPr txBox="1"/>
           <p:nvPr>
             <p:ph type="title"/>
@@ -8684,7 +8788,7 @@
       </p:sp>
       <p:sp>
         <p:nvSpPr>
-          <p:cNvPr id="110" name="Google Shape;110;p22"/>
+          <p:cNvPr id="109" name="Google Shape;109;p22"/>
           <p:cNvSpPr txBox="1"/>
           <p:nvPr>
             <p:ph idx="1" type="body"/>
@@ -8821,7 +8925,39 @@
               <a:rPr lang="en" sz="1400"/>
               <a:t>Two-Class Averaged Perceptron</a:t>
             </a:r>
-            <a:endParaRPr/>
+            <a:endParaRPr sz="1400"/>
+          </a:p>
+          <a:p>
+            <a:pPr indent="0" lvl="0" marL="0" rtl="0" algn="l">
+              <a:spcBef>
+                <a:spcPts val="1600"/>
+              </a:spcBef>
+              <a:spcAft>
+                <a:spcPts val="0"/>
+              </a:spcAft>
+              <a:buNone/>
+            </a:pPr>
+            <a:r>
+              <a:t/>
+            </a:r>
+            <a:endParaRPr sz="1400"/>
+          </a:p>
+          <a:p>
+            <a:pPr indent="-317500" lvl="0" marL="457200" rtl="0" algn="l">
+              <a:spcBef>
+                <a:spcPts val="1600"/>
+              </a:spcBef>
+              <a:spcAft>
+                <a:spcPts val="0"/>
+              </a:spcAft>
+              <a:buSzPts val="1400"/>
+              <a:buChar char="●"/>
+            </a:pPr>
+            <a:r>
+              <a:rPr lang="en" sz="1400"/>
+              <a:t>This was a validation of our initial selection</a:t>
+            </a:r>
+            <a:endParaRPr sz="1400"/>
           </a:p>
           <a:p>
             <a:pPr indent="0" lvl="0" marL="914400" rtl="0" algn="l">
@@ -8853,7 +8989,7 @@
   <p:cSld>
     <p:spTree>
       <p:nvGrpSpPr>
-        <p:cNvPr id="114" name="Shape 114"/>
+        <p:cNvPr id="113" name="Shape 113"/>
         <p:cNvGrpSpPr/>
         <p:nvPr/>
       </p:nvGrpSpPr>
@@ -8867,7 +9003,7 @@
       </p:grpSpPr>
       <p:sp>
         <p:nvSpPr>
-          <p:cNvPr id="115" name="Google Shape;115;p23"/>
+          <p:cNvPr id="114" name="Google Shape;114;p23"/>
           <p:cNvSpPr txBox="1"/>
           <p:nvPr>
             <p:ph type="title"/>
@@ -8914,7 +9050,7 @@
       </p:sp>
       <p:sp>
         <p:nvSpPr>
-          <p:cNvPr id="116" name="Google Shape;116;p23"/>
+          <p:cNvPr id="115" name="Google Shape;115;p23"/>
           <p:cNvSpPr txBox="1"/>
           <p:nvPr>
             <p:ph idx="1" type="body"/>
@@ -8953,7 +9089,7 @@
       </p:sp>
       <p:pic>
         <p:nvPicPr>
-          <p:cNvPr id="117" name="Google Shape;117;p23"/>
+          <p:cNvPr id="116" name="Google Shape;116;p23"/>
           <p:cNvPicPr preferRelativeResize="0"/>
           <p:nvPr/>
         </p:nvPicPr>
@@ -8981,7 +9117,7 @@
       </p:pic>
       <p:pic>
         <p:nvPicPr>
-          <p:cNvPr id="118" name="Google Shape;118;p23"/>
+          <p:cNvPr id="117" name="Google Shape;117;p23"/>
           <p:cNvPicPr preferRelativeResize="0"/>
           <p:nvPr/>
         </p:nvPicPr>
@@ -9020,7 +9156,7 @@
   <p:cSld>
     <p:spTree>
       <p:nvGrpSpPr>
-        <p:cNvPr id="122" name="Shape 122"/>
+        <p:cNvPr id="121" name="Shape 121"/>
         <p:cNvGrpSpPr/>
         <p:nvPr/>
       </p:nvGrpSpPr>
@@ -9034,7 +9170,7 @@
       </p:grpSpPr>
       <p:sp>
         <p:nvSpPr>
-          <p:cNvPr id="123" name="Google Shape;123;p24"/>
+          <p:cNvPr id="122" name="Google Shape;122;p24"/>
           <p:cNvSpPr txBox="1"/>
           <p:nvPr>
             <p:ph type="title"/>
@@ -9081,7 +9217,7 @@
       </p:sp>
       <p:sp>
         <p:nvSpPr>
-          <p:cNvPr id="124" name="Google Shape;124;p24"/>
+          <p:cNvPr id="123" name="Google Shape;123;p24"/>
           <p:cNvSpPr txBox="1"/>
           <p:nvPr>
             <p:ph idx="1" type="body"/>
@@ -9337,7 +9473,7 @@
   <p:cSld>
     <p:spTree>
       <p:nvGrpSpPr>
-        <p:cNvPr id="128" name="Shape 128"/>
+        <p:cNvPr id="127" name="Shape 127"/>
         <p:cNvGrpSpPr/>
         <p:nvPr/>
       </p:nvGrpSpPr>
@@ -9351,7 +9487,7 @@
       </p:grpSpPr>
       <p:sp>
         <p:nvSpPr>
-          <p:cNvPr id="129" name="Google Shape;129;p25"/>
+          <p:cNvPr id="128" name="Google Shape;128;p25"/>
           <p:cNvSpPr txBox="1"/>
           <p:nvPr>
             <p:ph type="title"/>
@@ -9391,7 +9527,7 @@
       </p:sp>
       <p:pic>
         <p:nvPicPr>
-          <p:cNvPr id="130" name="Google Shape;130;p25"/>
+          <p:cNvPr id="129" name="Google Shape;129;p25"/>
           <p:cNvPicPr preferRelativeResize="0"/>
           <p:nvPr/>
         </p:nvPicPr>
@@ -9430,7 +9566,7 @@
   <p:cSld>
     <p:spTree>
       <p:nvGrpSpPr>
-        <p:cNvPr id="134" name="Shape 134"/>
+        <p:cNvPr id="133" name="Shape 133"/>
         <p:cNvGrpSpPr/>
         <p:nvPr/>
       </p:nvGrpSpPr>
@@ -9444,7 +9580,7 @@
       </p:grpSpPr>
       <p:sp>
         <p:nvSpPr>
-          <p:cNvPr id="135" name="Google Shape;135;p26"/>
+          <p:cNvPr id="134" name="Google Shape;134;p26"/>
           <p:cNvSpPr txBox="1"/>
           <p:nvPr>
             <p:ph type="title"/>
@@ -9491,7 +9627,7 @@
       </p:sp>
       <p:sp>
         <p:nvSpPr>
-          <p:cNvPr id="136" name="Google Shape;136;p26"/>
+          <p:cNvPr id="135" name="Google Shape;135;p26"/>
           <p:cNvSpPr txBox="1"/>
           <p:nvPr>
             <p:ph idx="1" type="body"/>
@@ -9662,7 +9798,7 @@
   <p:cSld>
     <p:spTree>
       <p:nvGrpSpPr>
-        <p:cNvPr id="140" name="Shape 140"/>
+        <p:cNvPr id="139" name="Shape 139"/>
         <p:cNvGrpSpPr/>
         <p:nvPr/>
       </p:nvGrpSpPr>
@@ -9676,7 +9812,7 @@
       </p:grpSpPr>
       <p:sp>
         <p:nvSpPr>
-          <p:cNvPr id="141" name="Google Shape;141;p27"/>
+          <p:cNvPr id="140" name="Google Shape;140;p27"/>
           <p:cNvSpPr txBox="1"/>
           <p:nvPr>
             <p:ph type="title"/>
@@ -9723,7 +9859,7 @@
       </p:sp>
       <p:sp>
         <p:nvSpPr>
-          <p:cNvPr id="142" name="Google Shape;142;p27"/>
+          <p:cNvPr id="141" name="Google Shape;141;p27"/>
           <p:cNvSpPr txBox="1"/>
           <p:nvPr>
             <p:ph idx="1" type="body"/>
@@ -9824,7 +9960,7 @@
             </a:pPr>
             <a:r>
               <a:rPr lang="en"/>
-              <a:t>Done to get an understanding of the models in use prior to using Azure wrappers</a:t>
+              <a:t>Done locally to get an understanding of the models in use prior to using Azure wrappers</a:t>
             </a:r>
             <a:endParaRPr/>
           </a:p>
@@ -9943,7 +10079,7 @@
   <p:cSld>
     <p:spTree>
       <p:nvGrpSpPr>
-        <p:cNvPr id="146" name="Shape 146"/>
+        <p:cNvPr id="145" name="Shape 145"/>
         <p:cNvGrpSpPr/>
         <p:nvPr/>
       </p:nvGrpSpPr>
@@ -9957,7 +10093,7 @@
       </p:grpSpPr>
       <p:sp>
         <p:nvSpPr>
-          <p:cNvPr id="147" name="Google Shape;147;p28"/>
+          <p:cNvPr id="146" name="Google Shape;146;p28"/>
           <p:cNvSpPr txBox="1"/>
           <p:nvPr>
             <p:ph type="title"/>
@@ -10004,7 +10140,7 @@
       </p:sp>
       <p:sp>
         <p:nvSpPr>
-          <p:cNvPr id="148" name="Google Shape;148;p28"/>
+          <p:cNvPr id="147" name="Google Shape;147;p28"/>
           <p:cNvSpPr txBox="1"/>
           <p:nvPr>
             <p:ph idx="1" type="body"/>
@@ -10207,7 +10343,7 @@
   <p:cSld>
     <p:spTree>
       <p:nvGrpSpPr>
-        <p:cNvPr id="152" name="Shape 152"/>
+        <p:cNvPr id="151" name="Shape 151"/>
         <p:cNvGrpSpPr/>
         <p:nvPr/>
       </p:nvGrpSpPr>
@@ -10221,7 +10357,7 @@
       </p:grpSpPr>
       <p:sp>
         <p:nvSpPr>
-          <p:cNvPr id="153" name="Google Shape;153;p29"/>
+          <p:cNvPr id="152" name="Google Shape;152;p29"/>
           <p:cNvSpPr txBox="1"/>
           <p:nvPr>
             <p:ph type="title"/>
@@ -10268,7 +10404,7 @@
       </p:sp>
       <p:sp>
         <p:nvSpPr>
-          <p:cNvPr id="154" name="Google Shape;154;p29"/>
+          <p:cNvPr id="153" name="Google Shape;153;p29"/>
           <p:cNvSpPr txBox="1"/>
           <p:nvPr>
             <p:ph idx="1" type="body"/>
@@ -10437,7 +10573,7 @@
   <p:cSld>
     <p:spTree>
       <p:nvGrpSpPr>
-        <p:cNvPr id="158" name="Shape 158"/>
+        <p:cNvPr id="157" name="Shape 157"/>
         <p:cNvGrpSpPr/>
         <p:nvPr/>
       </p:nvGrpSpPr>
@@ -10451,7 +10587,7 @@
       </p:grpSpPr>
       <p:sp>
         <p:nvSpPr>
-          <p:cNvPr id="159" name="Google Shape;159;p30"/>
+          <p:cNvPr id="158" name="Google Shape;158;p30"/>
           <p:cNvSpPr txBox="1"/>
           <p:nvPr>
             <p:ph type="title"/>
@@ -10498,7 +10634,7 @@
       </p:sp>
       <p:sp>
         <p:nvSpPr>
-          <p:cNvPr id="160" name="Google Shape;160;p30"/>
+          <p:cNvPr id="159" name="Google Shape;159;p30"/>
           <p:cNvSpPr txBox="1"/>
           <p:nvPr>
             <p:ph idx="1" type="body"/>
@@ -10682,7 +10818,7 @@
   <p:cSld>
     <p:spTree>
       <p:nvGrpSpPr>
-        <p:cNvPr id="164" name="Shape 164"/>
+        <p:cNvPr id="163" name="Shape 163"/>
         <p:cNvGrpSpPr/>
         <p:nvPr/>
       </p:nvGrpSpPr>
@@ -10696,7 +10832,7 @@
       </p:grpSpPr>
       <p:sp>
         <p:nvSpPr>
-          <p:cNvPr id="165" name="Google Shape;165;p31"/>
+          <p:cNvPr id="164" name="Google Shape;164;p31"/>
           <p:cNvSpPr txBox="1"/>
           <p:nvPr>
             <p:ph type="title"/>
@@ -10743,7 +10879,7 @@
       </p:sp>
       <p:sp>
         <p:nvSpPr>
-          <p:cNvPr id="166" name="Google Shape;166;p31"/>
+          <p:cNvPr id="165" name="Google Shape;165;p31"/>
           <p:cNvSpPr txBox="1"/>
           <p:nvPr>
             <p:ph idx="1" type="body"/>
@@ -10857,6 +10993,32 @@
             <a:endParaRPr/>
           </a:p>
           <a:p>
+            <a:pPr indent="-317500" lvl="1" marL="914400" rtl="0" algn="l">
+              <a:spcBef>
+                <a:spcPts val="0"/>
+              </a:spcBef>
+              <a:spcAft>
+                <a:spcPts val="0"/>
+              </a:spcAft>
+              <a:buSzPts val="1400"/>
+              <a:buChar char="○"/>
+            </a:pPr>
+            <a:r>
+              <a:rPr lang="en" u="sng">
+                <a:solidFill>
+                  <a:schemeClr val="hlink"/>
+                </a:solidFill>
+                <a:hlinkClick r:id="rId3"/>
+              </a:rPr>
+              <a:t>https://trello.com/b/4XceHD7e/term-project</a:t>
+            </a:r>
+            <a:r>
+              <a:rPr lang="en"/>
+              <a:t> </a:t>
+            </a:r>
+            <a:endParaRPr/>
+          </a:p>
+          <a:p>
             <a:pPr indent="-342900" lvl="0" marL="457200" rtl="0" algn="l">
               <a:spcBef>
                 <a:spcPts val="0"/>
@@ -10921,6 +11083,34 @@
             <a:r>
               <a:rPr lang="en"/>
               <a:t>Tracked documentation</a:t>
+            </a:r>
+            <a:endParaRPr/>
+          </a:p>
+          <a:p>
+            <a:pPr indent="-317500" lvl="1" marL="914400" rtl="0" algn="l">
+              <a:spcBef>
+                <a:spcPts val="0"/>
+              </a:spcBef>
+              <a:spcAft>
+                <a:spcPts val="0"/>
+              </a:spcAft>
+              <a:buSzPts val="1400"/>
+              <a:buChar char="○"/>
+            </a:pPr>
+            <a:r>
+              <a:rPr lang="en" u="sng">
+                <a:solidFill>
+                  <a:schemeClr val="accent5"/>
+                </a:solidFill>
+                <a:hlinkClick r:id="rId4">
+                  <a:extLst>
+                    <a:ext uri="{A12FA001-AC4F-418D-AE19-62706E023703}">
+                      <ahyp:hlinkClr val="tx"/>
+                    </a:ext>
+                  </a:extLst>
+                </a:hlinkClick>
+              </a:rPr>
+              <a:t>https://github.com/bwvidro/dsci644_team_d</a:t>
             </a:r>
             <a:endParaRPr/>
           </a:p>
@@ -11112,7 +11302,7 @@
   <p:cSld>
     <p:spTree>
       <p:nvGrpSpPr>
-        <p:cNvPr id="170" name="Shape 170"/>
+        <p:cNvPr id="169" name="Shape 169"/>
         <p:cNvGrpSpPr/>
         <p:nvPr/>
       </p:nvGrpSpPr>
@@ -11126,7 +11316,7 @@
       </p:grpSpPr>
       <p:sp>
         <p:nvSpPr>
-          <p:cNvPr id="171" name="Google Shape;171;p32"/>
+          <p:cNvPr id="170" name="Google Shape;170;p32"/>
           <p:cNvSpPr txBox="1"/>
           <p:nvPr>
             <p:ph type="title"/>
@@ -11158,7 +11348,7 @@
             </a:pPr>
             <a:r>
               <a:rPr lang="en"/>
-              <a:t>ELABORATION PHASE &amp; PLANNING</a:t>
+              <a:t>Retrospective</a:t>
             </a:r>
             <a:endParaRPr/>
           </a:p>
@@ -11166,7 +11356,7 @@
       </p:sp>
       <p:sp>
         <p:nvSpPr>
-          <p:cNvPr id="172" name="Google Shape;172;p32"/>
+          <p:cNvPr id="171" name="Google Shape;171;p32"/>
           <p:cNvSpPr txBox="1"/>
           <p:nvPr>
             <p:ph idx="1" type="body"/>
@@ -11199,7 +11389,7 @@
             </a:pPr>
             <a:r>
               <a:rPr lang="en"/>
-              <a:t>Preprocessing Data</a:t>
+              <a:t>Disliked</a:t>
             </a:r>
             <a:endParaRPr/>
           </a:p>
@@ -11216,7 +11406,92 @@
             </a:pPr>
             <a:r>
               <a:rPr lang="en"/>
-              <a:t>Filter suspect data</a:t>
+              <a:t>Azure</a:t>
+            </a:r>
+            <a:endParaRPr/>
+          </a:p>
+          <a:p>
+            <a:pPr indent="-317500" lvl="2" marL="1371600" rtl="0" algn="l">
+              <a:spcBef>
+                <a:spcPts val="0"/>
+              </a:spcBef>
+              <a:spcAft>
+                <a:spcPts val="0"/>
+              </a:spcAft>
+              <a:buSzPts val="1400"/>
+              <a:buChar char="■"/>
+            </a:pPr>
+            <a:r>
+              <a:rPr lang="en"/>
+              <a:t>Right click can easily delete an object and no way to recover</a:t>
+            </a:r>
+            <a:endParaRPr/>
+          </a:p>
+          <a:p>
+            <a:pPr indent="-317500" lvl="2" marL="1371600" rtl="0" algn="l">
+              <a:spcBef>
+                <a:spcPts val="0"/>
+              </a:spcBef>
+              <a:spcAft>
+                <a:spcPts val="0"/>
+              </a:spcAft>
+              <a:buSzPts val="1400"/>
+              <a:buChar char="■"/>
+            </a:pPr>
+            <a:r>
+              <a:rPr lang="en"/>
+              <a:t>Doing diffs between experiments is not that easy</a:t>
+            </a:r>
+            <a:endParaRPr/>
+          </a:p>
+          <a:p>
+            <a:pPr indent="-317500" lvl="3" marL="1828800" rtl="0" algn="l">
+              <a:spcBef>
+                <a:spcPts val="0"/>
+              </a:spcBef>
+              <a:spcAft>
+                <a:spcPts val="0"/>
+              </a:spcAft>
+              <a:buSzPts val="1400"/>
+              <a:buChar char="●"/>
+            </a:pPr>
+            <a:r>
+              <a:rPr lang="en"/>
+              <a:t>Unlike raw python code version in GIT</a:t>
+            </a:r>
+            <a:endParaRPr/>
+          </a:p>
+          <a:p>
+            <a:pPr indent="-317500" lvl="2" marL="1371600" rtl="0" algn="l">
+              <a:spcBef>
+                <a:spcPts val="0"/>
+              </a:spcBef>
+              <a:spcAft>
+                <a:spcPts val="0"/>
+              </a:spcAft>
+              <a:buSzPts val="1400"/>
+              <a:buChar char="■"/>
+            </a:pPr>
+            <a:r>
+              <a:rPr lang="en"/>
+              <a:t>A little complicated to figure some connections out</a:t>
+            </a:r>
+            <a:endParaRPr/>
+          </a:p>
+          <a:p>
+            <a:pPr indent="-317500" lvl="3" marL="1828800" rtl="0" algn="l">
+              <a:spcBef>
+                <a:spcPts val="0"/>
+              </a:spcBef>
+              <a:spcAft>
+                <a:spcPts val="0"/>
+              </a:spcAft>
+              <a:buSzPts val="1400"/>
+              <a:buChar char="●"/>
+            </a:pPr>
+            <a:r>
+              <a:rPr lang="en"/>
+              <a:t>But that don’t have suggestions on how uncomplicate it</a:t>
             </a:r>
             <a:endParaRPr/>
           </a:p>
@@ -11233,143 +11508,22 @@
             </a:pPr>
             <a:r>
               <a:rPr lang="en"/>
-              <a:t>Cleaning data</a:t>
-            </a:r>
-            <a:endParaRPr/>
-          </a:p>
-          <a:p>
-            <a:pPr indent="-342900" lvl="0" marL="457200" rtl="0" algn="l">
-              <a:spcBef>
-                <a:spcPts val="0"/>
-              </a:spcBef>
-              <a:spcAft>
-                <a:spcPts val="0"/>
-              </a:spcAft>
-              <a:buSzPts val="1800"/>
-              <a:buChar char="●"/>
-            </a:pPr>
-            <a:r>
-              <a:rPr lang="en"/>
-              <a:t>Proposing models:</a:t>
-            </a:r>
-            <a:endParaRPr/>
-          </a:p>
-          <a:p>
-            <a:pPr indent="-317500" lvl="1" marL="914400" rtl="0" algn="l">
-              <a:spcBef>
-                <a:spcPts val="0"/>
-              </a:spcBef>
-              <a:spcAft>
-                <a:spcPts val="0"/>
-              </a:spcAft>
-              <a:buSzPts val="1400"/>
-              <a:buChar char="○"/>
-            </a:pPr>
-            <a:r>
-              <a:rPr lang="en"/>
-              <a:t>Using Python code</a:t>
-            </a:r>
-            <a:endParaRPr/>
-          </a:p>
-          <a:p>
-            <a:pPr indent="-317500" lvl="1" marL="914400" rtl="0" algn="l">
-              <a:spcBef>
-                <a:spcPts val="0"/>
-              </a:spcBef>
-              <a:spcAft>
-                <a:spcPts val="0"/>
-              </a:spcAft>
-              <a:buSzPts val="1400"/>
-              <a:buChar char="○"/>
-            </a:pPr>
-            <a:r>
-              <a:rPr lang="en"/>
-              <a:t>Using different Azure preprocessing techniques</a:t>
-            </a:r>
-            <a:endParaRPr/>
-          </a:p>
-          <a:p>
-            <a:pPr indent="-342900" lvl="0" marL="457200" rtl="0" algn="l">
-              <a:spcBef>
-                <a:spcPts val="0"/>
-              </a:spcBef>
-              <a:spcAft>
-                <a:spcPts val="0"/>
-              </a:spcAft>
-              <a:buSzPts val="1800"/>
-              <a:buChar char="●"/>
-            </a:pPr>
-            <a:r>
-              <a:rPr lang="en"/>
-              <a:t>Proposed to client to partition data into positive and negative reviews</a:t>
-            </a:r>
-            <a:endParaRPr/>
-          </a:p>
-          <a:p>
-            <a:pPr indent="-317500" lvl="1" marL="914400" rtl="0" algn="l">
-              <a:spcBef>
-                <a:spcPts val="0"/>
-              </a:spcBef>
-              <a:spcAft>
-                <a:spcPts val="0"/>
-              </a:spcAft>
-              <a:buSzPts val="1400"/>
-              <a:buChar char="○"/>
-            </a:pPr>
-            <a:r>
-              <a:rPr lang="en"/>
-              <a:t>What’s the point on such minute detail</a:t>
-            </a:r>
-            <a:endParaRPr/>
-          </a:p>
-          <a:p>
-            <a:pPr indent="-342900" lvl="0" marL="457200" rtl="0" algn="l">
-              <a:spcBef>
-                <a:spcPts val="0"/>
-              </a:spcBef>
-              <a:spcAft>
-                <a:spcPts val="0"/>
-              </a:spcAft>
-              <a:buSzPts val="1800"/>
-              <a:buChar char="●"/>
-            </a:pPr>
-            <a:r>
-              <a:rPr lang="en"/>
-              <a:t>Improving accuracy by replacing and tuning the hyperparameters</a:t>
-            </a:r>
-            <a:endParaRPr/>
-          </a:p>
-          <a:p>
-            <a:pPr indent="-342900" lvl="0" marL="457200" rtl="0" algn="l">
-              <a:spcBef>
-                <a:spcPts val="0"/>
-              </a:spcBef>
-              <a:spcAft>
-                <a:spcPts val="0"/>
-              </a:spcAft>
-              <a:buSzPts val="1800"/>
-              <a:buChar char="●"/>
-            </a:pPr>
-            <a:r>
-              <a:rPr lang="en"/>
-              <a:t>Incorporating web service based input</a:t>
-            </a:r>
-            <a:endParaRPr/>
-          </a:p>
-          <a:p>
-            <a:pPr indent="-317500" lvl="1" marL="914400" rtl="0" algn="l">
-              <a:spcBef>
-                <a:spcPts val="0"/>
-              </a:spcBef>
-              <a:spcAft>
-                <a:spcPts val="0"/>
-              </a:spcAft>
-              <a:buSzPts val="1400"/>
-              <a:buChar char="○"/>
-            </a:pPr>
-            <a:r>
-              <a:rPr lang="en"/>
-              <a:t>Publishing in Azure</a:t>
+              <a:t>Losing a team member shortly after starting</a:t>
+            </a:r>
+            <a:endParaRPr/>
+          </a:p>
+          <a:p>
+            <a:pPr indent="0" lvl="0" marL="457200" rtl="0" algn="l">
+              <a:spcBef>
+                <a:spcPts val="1600"/>
+              </a:spcBef>
+              <a:spcAft>
+                <a:spcPts val="1600"/>
+              </a:spcAft>
+              <a:buNone/>
+            </a:pPr>
+            <a:r>
+              <a:t/>
             </a:r>
             <a:endParaRPr/>
           </a:p>
@@ -11388,7 +11542,7 @@
   <p:cSld>
     <p:spTree>
       <p:nvGrpSpPr>
-        <p:cNvPr id="176" name="Shape 176"/>
+        <p:cNvPr id="175" name="Shape 175"/>
         <p:cNvGrpSpPr/>
         <p:nvPr/>
       </p:nvGrpSpPr>
@@ -11402,7 +11556,7 @@
       </p:grpSpPr>
       <p:sp>
         <p:nvSpPr>
-          <p:cNvPr id="177" name="Google Shape;177;p33"/>
+          <p:cNvPr id="176" name="Google Shape;176;p33"/>
           <p:cNvSpPr txBox="1"/>
           <p:nvPr>
             <p:ph type="title"/>
@@ -11442,7 +11596,7 @@
       </p:sp>
       <p:sp>
         <p:nvSpPr>
-          <p:cNvPr id="178" name="Google Shape;178;p33"/>
+          <p:cNvPr id="177" name="Google Shape;177;p33"/>
           <p:cNvSpPr txBox="1"/>
           <p:nvPr>
             <p:ph idx="1" type="body"/>
@@ -11475,7 +11629,7 @@
             </a:pPr>
             <a:r>
               <a:rPr lang="en"/>
-              <a:t>Azure - Disliked</a:t>
+              <a:t>Liked</a:t>
             </a:r>
             <a:endParaRPr/>
           </a:p>
@@ -11492,7 +11646,109 @@
             </a:pPr>
             <a:r>
               <a:rPr lang="en"/>
-              <a:t>Right click can easily delete an object and no way to recover</a:t>
+              <a:t>Azure</a:t>
+            </a:r>
+            <a:endParaRPr/>
+          </a:p>
+          <a:p>
+            <a:pPr indent="-317500" lvl="2" marL="1371600" rtl="0" algn="l">
+              <a:spcBef>
+                <a:spcPts val="0"/>
+              </a:spcBef>
+              <a:spcAft>
+                <a:spcPts val="0"/>
+              </a:spcAft>
+              <a:buSzPts val="1400"/>
+              <a:buChar char="■"/>
+            </a:pPr>
+            <a:r>
+              <a:rPr lang="en"/>
+              <a:t>Nice interface</a:t>
+            </a:r>
+            <a:endParaRPr/>
+          </a:p>
+          <a:p>
+            <a:pPr indent="-317500" lvl="2" marL="1371600" rtl="0" algn="l">
+              <a:spcBef>
+                <a:spcPts val="0"/>
+              </a:spcBef>
+              <a:spcAft>
+                <a:spcPts val="0"/>
+              </a:spcAft>
+              <a:buSzPts val="1400"/>
+              <a:buChar char="■"/>
+            </a:pPr>
+            <a:r>
+              <a:rPr lang="en"/>
+              <a:t>Adding custom code</a:t>
+            </a:r>
+            <a:endParaRPr/>
+          </a:p>
+          <a:p>
+            <a:pPr indent="-317500" lvl="2" marL="1371600" rtl="0" algn="l">
+              <a:spcBef>
+                <a:spcPts val="0"/>
+              </a:spcBef>
+              <a:spcAft>
+                <a:spcPts val="0"/>
+              </a:spcAft>
+              <a:buSzPts val="1400"/>
+              <a:buChar char="■"/>
+            </a:pPr>
+            <a:r>
+              <a:rPr lang="en"/>
+              <a:t>Nice defaults</a:t>
+            </a:r>
+            <a:endParaRPr/>
+          </a:p>
+          <a:p>
+            <a:pPr indent="-317500" lvl="3" marL="1828800" rtl="0" algn="l">
+              <a:spcBef>
+                <a:spcPts val="0"/>
+              </a:spcBef>
+              <a:spcAft>
+                <a:spcPts val="0"/>
+              </a:spcAft>
+              <a:buSzPts val="1400"/>
+              <a:buChar char="●"/>
+            </a:pPr>
+            <a:r>
+              <a:rPr lang="en"/>
+              <a:t>Initial model setups</a:t>
+            </a:r>
+            <a:endParaRPr/>
+          </a:p>
+          <a:p>
+            <a:pPr indent="-317500" lvl="3" marL="1828800" rtl="0" algn="l">
+              <a:spcBef>
+                <a:spcPts val="0"/>
+              </a:spcBef>
+              <a:spcAft>
+                <a:spcPts val="0"/>
+              </a:spcAft>
+              <a:buSzPts val="1400"/>
+              <a:buChar char="●"/>
+            </a:pPr>
+            <a:r>
+              <a:rPr lang="en"/>
+              <a:t>Presentations on model evaluation</a:t>
+            </a:r>
+            <a:endParaRPr/>
+          </a:p>
+          <a:p>
+            <a:pPr indent="-317500" lvl="2" marL="1371600" rtl="0" algn="l">
+              <a:spcBef>
+                <a:spcPts val="0"/>
+              </a:spcBef>
+              <a:spcAft>
+                <a:spcPts val="0"/>
+              </a:spcAft>
+              <a:buSzPts val="1400"/>
+              <a:buChar char="■"/>
+            </a:pPr>
+            <a:r>
+              <a:rPr lang="en"/>
+              <a:t>Share-able workspaces</a:t>
             </a:r>
             <a:endParaRPr/>
           </a:p>
@@ -11509,24 +11765,7 @@
             </a:pPr>
             <a:r>
               <a:rPr lang="en"/>
-              <a:t>Doing diffs between experiments is not that easy</a:t>
-            </a:r>
-            <a:endParaRPr/>
-          </a:p>
-          <a:p>
-            <a:pPr indent="-317500" lvl="2" marL="1371600" rtl="0" algn="l">
-              <a:spcBef>
-                <a:spcPts val="0"/>
-              </a:spcBef>
-              <a:spcAft>
-                <a:spcPts val="0"/>
-              </a:spcAft>
-              <a:buSzPts val="1400"/>
-              <a:buChar char="■"/>
-            </a:pPr>
-            <a:r>
-              <a:rPr lang="en"/>
-              <a:t>Unlike raw python code version in GIT</a:t>
+              <a:t>Trello</a:t>
             </a:r>
             <a:endParaRPr/>
           </a:p>
@@ -11543,39 +11782,7 @@
             </a:pPr>
             <a:r>
               <a:rPr lang="en"/>
-              <a:t>A little complicated</a:t>
-            </a:r>
-            <a:endParaRPr/>
-          </a:p>
-          <a:p>
-            <a:pPr indent="-317500" lvl="2" marL="1371600" rtl="0" algn="l">
-              <a:spcBef>
-                <a:spcPts val="0"/>
-              </a:spcBef>
-              <a:spcAft>
-                <a:spcPts val="0"/>
-              </a:spcAft>
-              <a:buSzPts val="1400"/>
-              <a:buChar char="■"/>
-            </a:pPr>
-            <a:r>
-              <a:rPr lang="en"/>
-              <a:t>But that don’t have suggestions on how uncomplicate it</a:t>
-            </a:r>
-            <a:endParaRPr/>
-          </a:p>
-          <a:p>
-            <a:pPr indent="0" lvl="0" marL="457200" rtl="0" algn="l">
-              <a:spcBef>
-                <a:spcPts val="1600"/>
-              </a:spcBef>
-              <a:spcAft>
-                <a:spcPts val="1600"/>
-              </a:spcAft>
-              <a:buNone/>
-            </a:pPr>
-            <a:r>
-              <a:t/>
+              <a:t>Our Team!</a:t>
             </a:r>
             <a:endParaRPr/>
           </a:p>
@@ -11594,7 +11801,7 @@
   <p:cSld>
     <p:spTree>
       <p:nvGrpSpPr>
-        <p:cNvPr id="182" name="Shape 182"/>
+        <p:cNvPr id="181" name="Shape 181"/>
         <p:cNvGrpSpPr/>
         <p:nvPr/>
       </p:nvGrpSpPr>
@@ -11608,7 +11815,7 @@
       </p:grpSpPr>
       <p:sp>
         <p:nvSpPr>
-          <p:cNvPr id="183" name="Google Shape;183;p34"/>
+          <p:cNvPr id="182" name="Google Shape;182;p34"/>
           <p:cNvSpPr txBox="1"/>
           <p:nvPr>
             <p:ph type="title"/>
@@ -11648,7 +11855,7 @@
       </p:sp>
       <p:sp>
         <p:nvSpPr>
-          <p:cNvPr id="184" name="Google Shape;184;p34"/>
+          <p:cNvPr id="183" name="Google Shape;183;p34"/>
           <p:cNvSpPr txBox="1"/>
           <p:nvPr>
             <p:ph idx="1" type="body"/>
@@ -11681,7 +11888,7 @@
             </a:pPr>
             <a:r>
               <a:rPr lang="en"/>
-              <a:t>Azure - Liked</a:t>
+              <a:t>What we could have done better</a:t>
             </a:r>
             <a:endParaRPr/>
           </a:p>
@@ -11698,7 +11905,7 @@
             </a:pPr>
             <a:r>
               <a:rPr lang="en"/>
-              <a:t>Nice interface</a:t>
+              <a:t>Tracked time on user stories in trello for cost analysis</a:t>
             </a:r>
             <a:endParaRPr/>
           </a:p>
@@ -11715,7 +11922,7 @@
             </a:pPr>
             <a:r>
               <a:rPr lang="en"/>
-              <a:t>Adding custom code</a:t>
+              <a:t>Updated Git webpage</a:t>
             </a:r>
             <a:endParaRPr/>
           </a:p>
@@ -11732,58 +11939,22 @@
             </a:pPr>
             <a:r>
               <a:rPr lang="en"/>
-              <a:t>Nice defaults</a:t>
-            </a:r>
-            <a:endParaRPr/>
-          </a:p>
-          <a:p>
-            <a:pPr indent="-317500" lvl="2" marL="1371600" rtl="0" algn="l">
-              <a:spcBef>
-                <a:spcPts val="0"/>
-              </a:spcBef>
-              <a:spcAft>
-                <a:spcPts val="0"/>
-              </a:spcAft>
-              <a:buSzPts val="1400"/>
-              <a:buChar char="■"/>
-            </a:pPr>
-            <a:r>
-              <a:rPr lang="en"/>
-              <a:t>Initial model setups</a:t>
-            </a:r>
-            <a:endParaRPr/>
-          </a:p>
-          <a:p>
-            <a:pPr indent="-317500" lvl="2" marL="1371600" rtl="0" algn="l">
-              <a:spcBef>
-                <a:spcPts val="0"/>
-              </a:spcBef>
-              <a:spcAft>
-                <a:spcPts val="0"/>
-              </a:spcAft>
-              <a:buSzPts val="1400"/>
-              <a:buChar char="■"/>
-            </a:pPr>
-            <a:r>
-              <a:rPr lang="en"/>
-              <a:t>Presentations on model evaluation</a:t>
-            </a:r>
-            <a:endParaRPr/>
-          </a:p>
-          <a:p>
-            <a:pPr indent="-317500" lvl="1" marL="914400" rtl="0" algn="l">
-              <a:spcBef>
-                <a:spcPts val="0"/>
-              </a:spcBef>
-              <a:spcAft>
-                <a:spcPts val="0"/>
-              </a:spcAft>
-              <a:buSzPts val="1400"/>
-              <a:buChar char="○"/>
-            </a:pPr>
-            <a:r>
-              <a:rPr lang="en"/>
-              <a:t>Share-able workspaces</a:t>
+              <a:t>Found a better way to version Azure changes</a:t>
+            </a:r>
+            <a:endParaRPr/>
+          </a:p>
+          <a:p>
+            <a:pPr indent="0" lvl="0" marL="914400" rtl="0" algn="l">
+              <a:spcBef>
+                <a:spcPts val="1600"/>
+              </a:spcBef>
+              <a:spcAft>
+                <a:spcPts val="1600"/>
+              </a:spcAft>
+              <a:buNone/>
+            </a:pPr>
+            <a:r>
+              <a:t/>
             </a:r>
             <a:endParaRPr/>
           </a:p>
@@ -11802,7 +11973,7 @@
   <p:cSld>
     <p:spTree>
       <p:nvGrpSpPr>
-        <p:cNvPr id="188" name="Shape 188"/>
+        <p:cNvPr id="187" name="Shape 187"/>
         <p:cNvGrpSpPr/>
         <p:nvPr/>
       </p:nvGrpSpPr>
@@ -11816,7 +11987,7 @@
       </p:grpSpPr>
       <p:sp>
         <p:nvSpPr>
-          <p:cNvPr id="189" name="Google Shape;189;p35"/>
+          <p:cNvPr id="188" name="Google Shape;188;p35"/>
           <p:cNvSpPr txBox="1"/>
           <p:nvPr>
             <p:ph type="title"/>
@@ -11856,7 +12027,7 @@
       </p:sp>
       <p:sp>
         <p:nvSpPr>
-          <p:cNvPr id="190" name="Google Shape;190;p35"/>
+          <p:cNvPr id="189" name="Google Shape;189;p35"/>
           <p:cNvSpPr txBox="1"/>
           <p:nvPr>
             <p:ph idx="1" type="body"/>
@@ -12153,7 +12324,7 @@
   <p:cSld>
     <p:spTree>
       <p:nvGrpSpPr>
-        <p:cNvPr id="194" name="Shape 194"/>
+        <p:cNvPr id="193" name="Shape 193"/>
         <p:cNvGrpSpPr/>
         <p:nvPr/>
       </p:nvGrpSpPr>
@@ -12167,7 +12338,7 @@
       </p:grpSpPr>
       <p:sp>
         <p:nvSpPr>
-          <p:cNvPr id="195" name="Google Shape;195;p36"/>
+          <p:cNvPr id="194" name="Google Shape;194;p36"/>
           <p:cNvSpPr txBox="1"/>
           <p:nvPr>
             <p:ph type="title"/>
@@ -12207,7 +12378,7 @@
       </p:sp>
       <p:sp>
         <p:nvSpPr>
-          <p:cNvPr id="196" name="Google Shape;196;p36"/>
+          <p:cNvPr id="195" name="Google Shape;195;p36"/>
           <p:cNvSpPr txBox="1"/>
           <p:nvPr>
             <p:ph idx="1" type="body"/>
@@ -12257,7 +12428,7 @@
   <p:cSld>
     <p:spTree>
       <p:nvGrpSpPr>
-        <p:cNvPr id="200" name="Shape 200"/>
+        <p:cNvPr id="199" name="Shape 199"/>
         <p:cNvGrpSpPr/>
         <p:nvPr/>
       </p:nvGrpSpPr>
@@ -12271,7 +12442,7 @@
       </p:grpSpPr>
       <p:sp>
         <p:nvSpPr>
-          <p:cNvPr id="201" name="Google Shape;201;p37"/>
+          <p:cNvPr id="200" name="Google Shape;200;p37"/>
           <p:cNvSpPr txBox="1"/>
           <p:nvPr>
             <p:ph type="title"/>
@@ -12311,7 +12482,7 @@
       </p:sp>
       <p:sp>
         <p:nvSpPr>
-          <p:cNvPr id="202" name="Google Shape;202;p37"/>
+          <p:cNvPr id="201" name="Google Shape;201;p37"/>
           <p:cNvSpPr txBox="1"/>
           <p:nvPr>
             <p:ph idx="1" type="body"/>
@@ -12361,7 +12532,7 @@
   <p:cSld>
     <p:spTree>
       <p:nvGrpSpPr>
-        <p:cNvPr id="206" name="Shape 206"/>
+        <p:cNvPr id="205" name="Shape 205"/>
         <p:cNvGrpSpPr/>
         <p:nvPr/>
       </p:nvGrpSpPr>
@@ -12375,7 +12546,7 @@
       </p:grpSpPr>
       <p:sp>
         <p:nvSpPr>
-          <p:cNvPr id="207" name="Google Shape;207;p38"/>
+          <p:cNvPr id="206" name="Google Shape;206;p38"/>
           <p:cNvSpPr txBox="1"/>
           <p:nvPr>
             <p:ph type="title"/>
@@ -12415,7 +12586,7 @@
       </p:sp>
       <p:sp>
         <p:nvSpPr>
-          <p:cNvPr id="208" name="Google Shape;208;p38"/>
+          <p:cNvPr id="207" name="Google Shape;207;p38"/>
           <p:cNvSpPr txBox="1"/>
           <p:nvPr>
             <p:ph idx="1" type="body"/>
@@ -12465,7 +12636,7 @@
   <p:cSld>
     <p:spTree>
       <p:nvGrpSpPr>
-        <p:cNvPr id="212" name="Shape 212"/>
+        <p:cNvPr id="211" name="Shape 211"/>
         <p:cNvGrpSpPr/>
         <p:nvPr/>
       </p:nvGrpSpPr>
@@ -12479,7 +12650,7 @@
       </p:grpSpPr>
       <p:sp>
         <p:nvSpPr>
-          <p:cNvPr id="213" name="Google Shape;213;p39"/>
+          <p:cNvPr id="212" name="Google Shape;212;p39"/>
           <p:cNvSpPr txBox="1"/>
           <p:nvPr>
             <p:ph type="title"/>
@@ -12519,7 +12690,7 @@
       </p:sp>
       <p:sp>
         <p:nvSpPr>
-          <p:cNvPr id="214" name="Google Shape;214;p39"/>
+          <p:cNvPr id="213" name="Google Shape;213;p39"/>
           <p:cNvSpPr txBox="1"/>
           <p:nvPr>
             <p:ph idx="1" type="body"/>
@@ -12705,7 +12876,7 @@
   <p:cSld>
     <p:spTree>
       <p:nvGrpSpPr>
-        <p:cNvPr id="218" name="Shape 218"/>
+        <p:cNvPr id="217" name="Shape 217"/>
         <p:cNvGrpSpPr/>
         <p:nvPr/>
       </p:nvGrpSpPr>
@@ -12719,7 +12890,7 @@
       </p:grpSpPr>
       <p:sp>
         <p:nvSpPr>
-          <p:cNvPr id="219" name="Google Shape;219;p40"/>
+          <p:cNvPr id="218" name="Google Shape;218;p40"/>
           <p:cNvSpPr txBox="1"/>
           <p:nvPr>
             <p:ph type="title"/>
@@ -12759,7 +12930,7 @@
       </p:sp>
       <p:sp>
         <p:nvSpPr>
-          <p:cNvPr id="220" name="Google Shape;220;p40"/>
+          <p:cNvPr id="219" name="Google Shape;219;p40"/>
           <p:cNvSpPr txBox="1"/>
           <p:nvPr>
             <p:ph idx="1" type="body"/>
@@ -12862,7 +13033,7 @@
   <p:cSld>
     <p:spTree>
       <p:nvGrpSpPr>
-        <p:cNvPr id="224" name="Shape 224"/>
+        <p:cNvPr id="223" name="Shape 223"/>
         <p:cNvGrpSpPr/>
         <p:nvPr/>
       </p:nvGrpSpPr>
@@ -12876,7 +13047,7 @@
       </p:grpSpPr>
       <p:sp>
         <p:nvSpPr>
-          <p:cNvPr id="225" name="Google Shape;225;p41"/>
+          <p:cNvPr id="224" name="Google Shape;224;p41"/>
           <p:cNvSpPr txBox="1"/>
           <p:nvPr>
             <p:ph type="title"/>
@@ -12908,7 +13079,7 @@
             </a:pPr>
             <a:r>
               <a:rPr lang="en"/>
-              <a:t>TRANSITION PHASE</a:t>
+              <a:t>ELABORATION PHASE &amp; PLANNING</a:t>
             </a:r>
             <a:endParaRPr/>
           </a:p>
@@ -12916,7 +13087,7 @@
       </p:sp>
       <p:sp>
         <p:nvSpPr>
-          <p:cNvPr id="226" name="Google Shape;226;p41"/>
+          <p:cNvPr id="225" name="Google Shape;225;p41"/>
           <p:cNvSpPr txBox="1"/>
           <p:nvPr>
             <p:ph idx="1" type="body"/>
@@ -12949,7 +13120,177 @@
             </a:pPr>
             <a:r>
               <a:rPr lang="en"/>
-              <a:t>Presenting the final model</a:t>
+              <a:t>Preprocessing Data</a:t>
+            </a:r>
+            <a:endParaRPr/>
+          </a:p>
+          <a:p>
+            <a:pPr indent="-317500" lvl="1" marL="914400" rtl="0" algn="l">
+              <a:spcBef>
+                <a:spcPts val="0"/>
+              </a:spcBef>
+              <a:spcAft>
+                <a:spcPts val="0"/>
+              </a:spcAft>
+              <a:buSzPts val="1400"/>
+              <a:buChar char="○"/>
+            </a:pPr>
+            <a:r>
+              <a:rPr lang="en"/>
+              <a:t>Filter suspect data</a:t>
+            </a:r>
+            <a:endParaRPr/>
+          </a:p>
+          <a:p>
+            <a:pPr indent="-317500" lvl="1" marL="914400" rtl="0" algn="l">
+              <a:spcBef>
+                <a:spcPts val="0"/>
+              </a:spcBef>
+              <a:spcAft>
+                <a:spcPts val="0"/>
+              </a:spcAft>
+              <a:buSzPts val="1400"/>
+              <a:buChar char="○"/>
+            </a:pPr>
+            <a:r>
+              <a:rPr lang="en"/>
+              <a:t>Cleaning data</a:t>
+            </a:r>
+            <a:endParaRPr/>
+          </a:p>
+          <a:p>
+            <a:pPr indent="-342900" lvl="0" marL="457200" rtl="0" algn="l">
+              <a:spcBef>
+                <a:spcPts val="0"/>
+              </a:spcBef>
+              <a:spcAft>
+                <a:spcPts val="0"/>
+              </a:spcAft>
+              <a:buSzPts val="1800"/>
+              <a:buChar char="●"/>
+            </a:pPr>
+            <a:r>
+              <a:rPr lang="en"/>
+              <a:t>Proposing models:</a:t>
+            </a:r>
+            <a:endParaRPr/>
+          </a:p>
+          <a:p>
+            <a:pPr indent="-317500" lvl="1" marL="914400" rtl="0" algn="l">
+              <a:spcBef>
+                <a:spcPts val="0"/>
+              </a:spcBef>
+              <a:spcAft>
+                <a:spcPts val="0"/>
+              </a:spcAft>
+              <a:buSzPts val="1400"/>
+              <a:buChar char="○"/>
+            </a:pPr>
+            <a:r>
+              <a:rPr lang="en"/>
+              <a:t>Using Python code</a:t>
+            </a:r>
+            <a:endParaRPr/>
+          </a:p>
+          <a:p>
+            <a:pPr indent="-317500" lvl="1" marL="914400" rtl="0" algn="l">
+              <a:spcBef>
+                <a:spcPts val="0"/>
+              </a:spcBef>
+              <a:spcAft>
+                <a:spcPts val="0"/>
+              </a:spcAft>
+              <a:buSzPts val="1400"/>
+              <a:buChar char="○"/>
+            </a:pPr>
+            <a:r>
+              <a:rPr lang="en"/>
+              <a:t>Using different Azure preprocessing techniques</a:t>
+            </a:r>
+            <a:endParaRPr/>
+          </a:p>
+          <a:p>
+            <a:pPr indent="-342900" lvl="0" marL="457200" rtl="0" algn="l">
+              <a:spcBef>
+                <a:spcPts val="0"/>
+              </a:spcBef>
+              <a:spcAft>
+                <a:spcPts val="0"/>
+              </a:spcAft>
+              <a:buSzPts val="1800"/>
+              <a:buChar char="●"/>
+            </a:pPr>
+            <a:r>
+              <a:rPr lang="en"/>
+              <a:t>Proposed to client to partition data into positive and negative reviews</a:t>
+            </a:r>
+            <a:endParaRPr/>
+          </a:p>
+          <a:p>
+            <a:pPr indent="-317500" lvl="1" marL="914400" rtl="0" algn="l">
+              <a:spcBef>
+                <a:spcPts val="0"/>
+              </a:spcBef>
+              <a:spcAft>
+                <a:spcPts val="0"/>
+              </a:spcAft>
+              <a:buSzPts val="1400"/>
+              <a:buChar char="○"/>
+            </a:pPr>
+            <a:r>
+              <a:rPr lang="en"/>
+              <a:t>What’s the point on such minute detail</a:t>
+            </a:r>
+            <a:endParaRPr/>
+          </a:p>
+          <a:p>
+            <a:pPr indent="-342900" lvl="0" marL="457200" rtl="0" algn="l">
+              <a:spcBef>
+                <a:spcPts val="0"/>
+              </a:spcBef>
+              <a:spcAft>
+                <a:spcPts val="0"/>
+              </a:spcAft>
+              <a:buSzPts val="1800"/>
+              <a:buChar char="●"/>
+            </a:pPr>
+            <a:r>
+              <a:rPr lang="en"/>
+              <a:t>Improving accuracy by replacing and tuning the hyperparameters</a:t>
+            </a:r>
+            <a:endParaRPr/>
+          </a:p>
+          <a:p>
+            <a:pPr indent="-342900" lvl="0" marL="457200" rtl="0" algn="l">
+              <a:spcBef>
+                <a:spcPts val="0"/>
+              </a:spcBef>
+              <a:spcAft>
+                <a:spcPts val="0"/>
+              </a:spcAft>
+              <a:buSzPts val="1800"/>
+              <a:buChar char="●"/>
+            </a:pPr>
+            <a:r>
+              <a:rPr lang="en"/>
+              <a:t>Incorporating web service based input</a:t>
+            </a:r>
+            <a:endParaRPr/>
+          </a:p>
+          <a:p>
+            <a:pPr indent="-317500" lvl="1" marL="914400" rtl="0" algn="l">
+              <a:spcBef>
+                <a:spcPts val="0"/>
+              </a:spcBef>
+              <a:spcAft>
+                <a:spcPts val="0"/>
+              </a:spcAft>
+              <a:buSzPts val="1400"/>
+              <a:buChar char="○"/>
+            </a:pPr>
+            <a:r>
+              <a:rPr lang="en"/>
+              <a:t>Publishing in Azure</a:t>
             </a:r>
             <a:endParaRPr/>
           </a:p>
@@ -13089,7 +13430,7 @@
             </a:pPr>
             <a:r>
               <a:rPr lang="en" sz="1500"/>
-              <a:t>Plane a remodeling for the system</a:t>
+              <a:t>Plan a remodeling for the system</a:t>
             </a:r>
             <a:endParaRPr sz="1500"/>
           </a:p>
@@ -13233,7 +13574,7 @@
   <p:cSld>
     <p:spTree>
       <p:nvGrpSpPr>
-        <p:cNvPr id="230" name="Shape 230"/>
+        <p:cNvPr id="229" name="Shape 229"/>
         <p:cNvGrpSpPr/>
         <p:nvPr/>
       </p:nvGrpSpPr>
@@ -13247,7 +13588,7 @@
       </p:grpSpPr>
       <p:sp>
         <p:nvSpPr>
-          <p:cNvPr id="231" name="Google Shape;231;p42"/>
+          <p:cNvPr id="230" name="Google Shape;230;p42"/>
           <p:cNvSpPr txBox="1"/>
           <p:nvPr>
             <p:ph type="title"/>
@@ -13279,7 +13620,7 @@
             </a:pPr>
             <a:r>
               <a:rPr lang="en"/>
-              <a:t>Preprocessing Text</a:t>
+              <a:t>TRANSITION PHASE</a:t>
             </a:r>
             <a:endParaRPr/>
           </a:p>
@@ -13287,7 +13628,7 @@
       </p:sp>
       <p:sp>
         <p:nvSpPr>
-          <p:cNvPr id="232" name="Google Shape;232;p42"/>
+          <p:cNvPr id="231" name="Google Shape;231;p42"/>
           <p:cNvSpPr txBox="1"/>
           <p:nvPr>
             <p:ph idx="1" type="body"/>
@@ -13320,126 +13661,7 @@
             </a:pPr>
             <a:r>
               <a:rPr lang="en"/>
-              <a:t>Remove questionable data (Google User)</a:t>
-            </a:r>
-            <a:endParaRPr/>
-          </a:p>
-          <a:p>
-            <a:pPr indent="-317500" lvl="1" marL="914400" rtl="0" algn="l">
-              <a:spcBef>
-                <a:spcPts val="0"/>
-              </a:spcBef>
-              <a:spcAft>
-                <a:spcPts val="0"/>
-              </a:spcAft>
-              <a:buSzPts val="1400"/>
-              <a:buChar char="○"/>
-            </a:pPr>
-            <a:r>
-              <a:rPr lang="en"/>
-              <a:t>Reduced accuracy (79% to 75%)</a:t>
-            </a:r>
-            <a:endParaRPr/>
-          </a:p>
-          <a:p>
-            <a:pPr indent="-342900" lvl="0" marL="457200" rtl="0" algn="l">
-              <a:spcBef>
-                <a:spcPts val="0"/>
-              </a:spcBef>
-              <a:spcAft>
-                <a:spcPts val="0"/>
-              </a:spcAft>
-              <a:buSzPts val="1800"/>
-              <a:buChar char="●"/>
-            </a:pPr>
-            <a:r>
-              <a:rPr lang="en"/>
-              <a:t>Clean up text (79% to 76%)</a:t>
-            </a:r>
-            <a:endParaRPr/>
-          </a:p>
-          <a:p>
-            <a:pPr indent="-317500" lvl="1" marL="914400" rtl="0" algn="l">
-              <a:spcBef>
-                <a:spcPts val="0"/>
-              </a:spcBef>
-              <a:spcAft>
-                <a:spcPts val="0"/>
-              </a:spcAft>
-              <a:buSzPts val="1400"/>
-              <a:buChar char="○"/>
-            </a:pPr>
-            <a:r>
-              <a:rPr lang="en"/>
-              <a:t>Remove non-ascii text</a:t>
-            </a:r>
-            <a:endParaRPr/>
-          </a:p>
-          <a:p>
-            <a:pPr indent="-317500" lvl="1" marL="914400" rtl="0" algn="l">
-              <a:spcBef>
-                <a:spcPts val="0"/>
-              </a:spcBef>
-              <a:spcAft>
-                <a:spcPts val="0"/>
-              </a:spcAft>
-              <a:buSzPts val="1400"/>
-              <a:buChar char="○"/>
-            </a:pPr>
-            <a:r>
-              <a:rPr lang="en"/>
-              <a:t>Use only english words</a:t>
-            </a:r>
-            <a:endParaRPr/>
-          </a:p>
-          <a:p>
-            <a:pPr indent="-342900" lvl="0" marL="457200" rtl="0" algn="l">
-              <a:spcBef>
-                <a:spcPts val="0"/>
-              </a:spcBef>
-              <a:spcAft>
-                <a:spcPts val="0"/>
-              </a:spcAft>
-              <a:buSzPts val="1800"/>
-              <a:buChar char="●"/>
-            </a:pPr>
-            <a:r>
-              <a:rPr lang="en"/>
-              <a:t>Balancing the sample size</a:t>
-            </a:r>
-            <a:endParaRPr/>
-          </a:p>
-          <a:p>
-            <a:pPr indent="-317500" lvl="1" marL="914400" rtl="0" algn="l">
-              <a:spcBef>
-                <a:spcPts val="0"/>
-              </a:spcBef>
-              <a:spcAft>
-                <a:spcPts val="0"/>
-              </a:spcAft>
-              <a:buSzPts val="1400"/>
-              <a:buChar char="○"/>
-            </a:pPr>
-            <a:r>
-              <a:rPr lang="en"/>
-              <a:t>Reduced the accuracy of the model</a:t>
-            </a:r>
-            <a:endParaRPr/>
-          </a:p>
-          <a:p>
-            <a:pPr indent="-317500" lvl="2" marL="1371600" rtl="0" algn="l">
-              <a:spcBef>
-                <a:spcPts val="0"/>
-              </a:spcBef>
-              <a:spcAft>
-                <a:spcPts val="0"/>
-              </a:spcAft>
-              <a:buSzPts val="1400"/>
-              <a:buChar char="■"/>
-            </a:pPr>
-            <a:r>
-              <a:rPr lang="en"/>
-              <a:t>Most likely if you’re not sure what to predict, default to the most frequent rating</a:t>
+              <a:t>Presenting the final model</a:t>
             </a:r>
             <a:endParaRPr/>
           </a:p>
@@ -13458,7 +13680,7 @@
   <p:cSld>
     <p:spTree>
       <p:nvGrpSpPr>
-        <p:cNvPr id="236" name="Shape 236"/>
+        <p:cNvPr id="235" name="Shape 235"/>
         <p:cNvGrpSpPr/>
         <p:nvPr/>
       </p:nvGrpSpPr>
@@ -13472,7 +13694,7 @@
       </p:grpSpPr>
       <p:sp>
         <p:nvSpPr>
-          <p:cNvPr id="237" name="Google Shape;237;p43"/>
+          <p:cNvPr id="236" name="Google Shape;236;p43"/>
           <p:cNvSpPr txBox="1"/>
           <p:nvPr>
             <p:ph type="title"/>
@@ -13504,6 +13726,231 @@
             </a:pPr>
             <a:r>
               <a:rPr lang="en"/>
+              <a:t>Preprocessing Text</a:t>
+            </a:r>
+            <a:endParaRPr/>
+          </a:p>
+        </p:txBody>
+      </p:sp>
+      <p:sp>
+        <p:nvSpPr>
+          <p:cNvPr id="237" name="Google Shape;237;p43"/>
+          <p:cNvSpPr txBox="1"/>
+          <p:nvPr>
+            <p:ph idx="1" type="body"/>
+          </p:nvPr>
+        </p:nvSpPr>
+        <p:spPr>
+          <a:xfrm>
+            <a:off x="311700" y="1152475"/>
+            <a:ext cx="8520600" cy="3416400"/>
+          </a:xfrm>
+          <a:prstGeom prst="rect">
+            <a:avLst/>
+          </a:prstGeom>
+        </p:spPr>
+        <p:txBody>
+          <a:bodyPr anchorCtr="0" anchor="t" bIns="91425" lIns="91425" spcFirstLastPara="1" rIns="91425" wrap="square" tIns="91425">
+            <a:noAutofit/>
+          </a:bodyPr>
+          <a:lstStyle/>
+          <a:p>
+            <a:pPr indent="-342900" lvl="0" marL="457200" rtl="0" algn="l">
+              <a:spcBef>
+                <a:spcPts val="0"/>
+              </a:spcBef>
+              <a:spcAft>
+                <a:spcPts val="0"/>
+              </a:spcAft>
+              <a:buSzPts val="1800"/>
+              <a:buChar char="●"/>
+            </a:pPr>
+            <a:r>
+              <a:rPr lang="en"/>
+              <a:t>Remove questionable data (Google User)</a:t>
+            </a:r>
+            <a:endParaRPr/>
+          </a:p>
+          <a:p>
+            <a:pPr indent="-317500" lvl="1" marL="914400" rtl="0" algn="l">
+              <a:spcBef>
+                <a:spcPts val="0"/>
+              </a:spcBef>
+              <a:spcAft>
+                <a:spcPts val="0"/>
+              </a:spcAft>
+              <a:buSzPts val="1400"/>
+              <a:buChar char="○"/>
+            </a:pPr>
+            <a:r>
+              <a:rPr lang="en"/>
+              <a:t>Reduced accuracy (79% to 75%)</a:t>
+            </a:r>
+            <a:endParaRPr/>
+          </a:p>
+          <a:p>
+            <a:pPr indent="-342900" lvl="0" marL="457200" rtl="0" algn="l">
+              <a:spcBef>
+                <a:spcPts val="0"/>
+              </a:spcBef>
+              <a:spcAft>
+                <a:spcPts val="0"/>
+              </a:spcAft>
+              <a:buSzPts val="1800"/>
+              <a:buChar char="●"/>
+            </a:pPr>
+            <a:r>
+              <a:rPr lang="en"/>
+              <a:t>Clean up text (79% to 76%)</a:t>
+            </a:r>
+            <a:endParaRPr/>
+          </a:p>
+          <a:p>
+            <a:pPr indent="-317500" lvl="1" marL="914400" rtl="0" algn="l">
+              <a:spcBef>
+                <a:spcPts val="0"/>
+              </a:spcBef>
+              <a:spcAft>
+                <a:spcPts val="0"/>
+              </a:spcAft>
+              <a:buSzPts val="1400"/>
+              <a:buChar char="○"/>
+            </a:pPr>
+            <a:r>
+              <a:rPr lang="en"/>
+              <a:t>Remove non-ascii text</a:t>
+            </a:r>
+            <a:endParaRPr/>
+          </a:p>
+          <a:p>
+            <a:pPr indent="-317500" lvl="1" marL="914400" rtl="0" algn="l">
+              <a:spcBef>
+                <a:spcPts val="0"/>
+              </a:spcBef>
+              <a:spcAft>
+                <a:spcPts val="0"/>
+              </a:spcAft>
+              <a:buSzPts val="1400"/>
+              <a:buChar char="○"/>
+            </a:pPr>
+            <a:r>
+              <a:rPr lang="en"/>
+              <a:t>Use only english words</a:t>
+            </a:r>
+            <a:endParaRPr/>
+          </a:p>
+          <a:p>
+            <a:pPr indent="-342900" lvl="0" marL="457200" rtl="0" algn="l">
+              <a:spcBef>
+                <a:spcPts val="0"/>
+              </a:spcBef>
+              <a:spcAft>
+                <a:spcPts val="0"/>
+              </a:spcAft>
+              <a:buSzPts val="1800"/>
+              <a:buChar char="●"/>
+            </a:pPr>
+            <a:r>
+              <a:rPr lang="en"/>
+              <a:t>Balancing the sample size</a:t>
+            </a:r>
+            <a:endParaRPr/>
+          </a:p>
+          <a:p>
+            <a:pPr indent="-317500" lvl="1" marL="914400" rtl="0" algn="l">
+              <a:spcBef>
+                <a:spcPts val="0"/>
+              </a:spcBef>
+              <a:spcAft>
+                <a:spcPts val="0"/>
+              </a:spcAft>
+              <a:buSzPts val="1400"/>
+              <a:buChar char="○"/>
+            </a:pPr>
+            <a:r>
+              <a:rPr lang="en"/>
+              <a:t>Reduced the accuracy of the model</a:t>
+            </a:r>
+            <a:endParaRPr/>
+          </a:p>
+          <a:p>
+            <a:pPr indent="-317500" lvl="2" marL="1371600" rtl="0" algn="l">
+              <a:spcBef>
+                <a:spcPts val="0"/>
+              </a:spcBef>
+              <a:spcAft>
+                <a:spcPts val="0"/>
+              </a:spcAft>
+              <a:buSzPts val="1400"/>
+              <a:buChar char="■"/>
+            </a:pPr>
+            <a:r>
+              <a:rPr lang="en"/>
+              <a:t>Most likely if you’re not sure what to predict, default to the most frequent rating</a:t>
+            </a:r>
+            <a:endParaRPr/>
+          </a:p>
+        </p:txBody>
+      </p:sp>
+    </p:spTree>
+  </p:cSld>
+  <p:clrMapOvr>
+    <a:masterClrMapping/>
+  </p:clrMapOvr>
+</p:sld>
+</file>
+
+<file path=ppt/slides/slide32.xml><?xml version="1.0" encoding="utf-8"?>
+<p:sld xmlns:a="http://schemas.openxmlformats.org/drawingml/2006/main" xmlns:r="http://schemas.openxmlformats.org/officeDocument/2006/relationships" xmlns:mc="http://schemas.openxmlformats.org/markup-compatibility/2006" xmlns:mv="urn:schemas-microsoft-com:mac:vml" xmlns:p="http://schemas.openxmlformats.org/presentationml/2006/main" xmlns:c="http://schemas.openxmlformats.org/drawingml/2006/chart" xmlns:dgm="http://schemas.openxmlformats.org/drawingml/2006/diagram" xmlns:o="urn:schemas-microsoft-com:office:office" xmlns:v="urn:schemas-microsoft-com:vml" xmlns:pvml="urn:schemas-microsoft-com:office:powerpoint" xmlns:com="http://schemas.openxmlformats.org/drawingml/2006/compatibility" xmlns:p14="http://schemas.microsoft.com/office/powerpoint/2010/main" xmlns:p15="http://schemas.microsoft.com/office/powerpoint/2012/main" xmlns:ahyp="http://schemas.microsoft.com/office/drawing/2018/hyperlinkcolor">
+  <p:cSld>
+    <p:spTree>
+      <p:nvGrpSpPr>
+        <p:cNvPr id="241" name="Shape 241"/>
+        <p:cNvGrpSpPr/>
+        <p:nvPr/>
+      </p:nvGrpSpPr>
+      <p:grpSpPr>
+        <a:xfrm>
+          <a:off x="0" y="0"/>
+          <a:ext cx="0" cy="0"/>
+          <a:chOff x="0" y="0"/>
+          <a:chExt cx="0" cy="0"/>
+        </a:xfrm>
+      </p:grpSpPr>
+      <p:sp>
+        <p:nvSpPr>
+          <p:cNvPr id="242" name="Google Shape;242;p44"/>
+          <p:cNvSpPr txBox="1"/>
+          <p:nvPr>
+            <p:ph type="title"/>
+          </p:nvPr>
+        </p:nvSpPr>
+        <p:spPr>
+          <a:xfrm>
+            <a:off x="311700" y="445025"/>
+            <a:ext cx="8520600" cy="572700"/>
+          </a:xfrm>
+          <a:prstGeom prst="rect">
+            <a:avLst/>
+          </a:prstGeom>
+        </p:spPr>
+        <p:txBody>
+          <a:bodyPr anchorCtr="0" anchor="t" bIns="91425" lIns="91425" spcFirstLastPara="1" rIns="91425" wrap="square" tIns="91425">
+            <a:noAutofit/>
+          </a:bodyPr>
+          <a:lstStyle/>
+          <a:p>
+            <a:pPr indent="0" lvl="0" marL="0" rtl="0" algn="l">
+              <a:spcBef>
+                <a:spcPts val="0"/>
+              </a:spcBef>
+              <a:spcAft>
+                <a:spcPts val="0"/>
+              </a:spcAft>
+              <a:buNone/>
+            </a:pPr>
+            <a:r>
+              <a:rPr lang="en"/>
               <a:t>INCEPTION PHASE</a:t>
             </a:r>
             <a:endParaRPr/>
@@ -13512,7 +13959,7 @@
       </p:sp>
       <p:sp>
         <p:nvSpPr>
-          <p:cNvPr id="238" name="Google Shape;238;p43"/>
+          <p:cNvPr id="243" name="Google Shape;243;p44"/>
           <p:cNvSpPr txBox="1"/>
           <p:nvPr>
             <p:ph idx="1" type="body"/>
@@ -13792,7 +14239,7 @@
             </a:pPr>
             <a:r>
               <a:rPr lang="en"/>
-              <a:t>This would be for a live feed review of positive/negative ratings one sources like twitter, etc… to track the overall trends on applications</a:t>
+              <a:t>This would be for a live feed review of positive/negative ratings from sources like twitter, etc… to track the overall trends on applications</a:t>
             </a:r>
             <a:endParaRPr/>
           </a:p>
@@ -13956,7 +14403,7 @@
             </a:pPr>
             <a:r>
               <a:rPr lang="en"/>
-              <a:t>Input to system would be a Service API accessible to other system to use</a:t>
+              <a:t>Input to system would be a Service JSON API accessible for other systems to use</a:t>
             </a:r>
             <a:endParaRPr/>
           </a:p>
@@ -14008,6 +14455,23 @@
             <a:r>
               <a:rPr lang="en"/>
               <a:t>May take a day to scale up</a:t>
+            </a:r>
+            <a:endParaRPr/>
+          </a:p>
+          <a:p>
+            <a:pPr indent="-317500" lvl="1" marL="914400" rtl="0" algn="l">
+              <a:spcBef>
+                <a:spcPts val="0"/>
+              </a:spcBef>
+              <a:spcAft>
+                <a:spcPts val="0"/>
+              </a:spcAft>
+              <a:buSzPts val="1400"/>
+              <a:buChar char="○"/>
+            </a:pPr>
+            <a:r>
+              <a:rPr lang="en"/>
+              <a:t>Ideally in an hour</a:t>
             </a:r>
             <a:endParaRPr/>
           </a:p>
@@ -14245,7 +14709,7 @@
         <p:spPr>
           <a:xfrm>
             <a:off x="311700" y="445025"/>
-            <a:ext cx="8520600" cy="572700"/>
+            <a:ext cx="1756800" cy="1230300"/>
           </a:xfrm>
           <a:prstGeom prst="rect">
             <a:avLst/>
@@ -14268,46 +14732,14 @@
             </a:pPr>
             <a:r>
               <a:rPr lang="en"/>
-              <a:t>Schematic</a:t>
-            </a:r>
-            <a:endParaRPr/>
-          </a:p>
-        </p:txBody>
-      </p:sp>
-      <p:sp>
-        <p:nvSpPr>
-          <p:cNvPr id="91" name="Google Shape;91;p19"/>
-          <p:cNvSpPr txBox="1"/>
-          <p:nvPr>
-            <p:ph idx="1" type="body"/>
-          </p:nvPr>
-        </p:nvSpPr>
-        <p:spPr>
-          <a:xfrm>
-            <a:off x="311700" y="1152475"/>
-            <a:ext cx="8520600" cy="3416400"/>
-          </a:xfrm>
-          <a:prstGeom prst="rect">
-            <a:avLst/>
-          </a:prstGeom>
-        </p:spPr>
-        <p:txBody>
-          <a:bodyPr anchorCtr="0" anchor="t" bIns="91425" lIns="91425" spcFirstLastPara="1" rIns="91425" wrap="square" tIns="91425">
-            <a:noAutofit/>
-          </a:bodyPr>
-          <a:lstStyle/>
-          <a:p>
-            <a:pPr indent="0" lvl="0" marL="0" rtl="0" algn="l">
-              <a:spcBef>
-                <a:spcPts val="0"/>
-              </a:spcBef>
-              <a:spcAft>
-                <a:spcPts val="1600"/>
-              </a:spcAft>
-              <a:buNone/>
-            </a:pPr>
-            <a:r>
-              <a:t/>
+              <a:t>Big</a:t>
+            </a:r>
+            <a:br>
+              <a:rPr lang="en"/>
+            </a:br>
+            <a:r>
+              <a:rPr lang="en"/>
+              <a:t>Picture</a:t>
             </a:r>
             <a:endParaRPr/>
           </a:p>
@@ -14315,7 +14747,7 @@
       </p:sp>
       <p:pic>
         <p:nvPicPr>
-          <p:cNvPr id="92" name="Google Shape;92;p19"/>
+          <p:cNvPr id="91" name="Google Shape;91;p19"/>
           <p:cNvPicPr preferRelativeResize="0"/>
           <p:nvPr/>
         </p:nvPicPr>
@@ -14329,7 +14761,7 @@
         </p:blipFill>
         <p:spPr>
           <a:xfrm>
-            <a:off x="311700" y="68375"/>
+            <a:off x="2929400" y="159900"/>
             <a:ext cx="5902900" cy="4899199"/>
           </a:xfrm>
           <a:prstGeom prst="rect">
@@ -14354,7 +14786,7 @@
   <p:cSld>
     <p:spTree>
       <p:nvGrpSpPr>
-        <p:cNvPr id="96" name="Shape 96"/>
+        <p:cNvPr id="95" name="Shape 95"/>
         <p:cNvGrpSpPr/>
         <p:nvPr/>
       </p:nvGrpSpPr>
@@ -14368,7 +14800,7 @@
       </p:grpSpPr>
       <p:sp>
         <p:nvSpPr>
-          <p:cNvPr id="97" name="Google Shape;97;p20"/>
+          <p:cNvPr id="96" name="Google Shape;96;p20"/>
           <p:cNvSpPr txBox="1"/>
           <p:nvPr>
             <p:ph type="title"/>
@@ -14408,7 +14840,7 @@
       </p:sp>
       <p:pic>
         <p:nvPicPr>
-          <p:cNvPr id="98" name="Google Shape;98;p20"/>
+          <p:cNvPr id="97" name="Google Shape;97;p20"/>
           <p:cNvPicPr preferRelativeResize="0"/>
           <p:nvPr/>
         </p:nvPicPr>
@@ -14447,7 +14879,7 @@
   <p:cSld>
     <p:spTree>
       <p:nvGrpSpPr>
-        <p:cNvPr id="102" name="Shape 102"/>
+        <p:cNvPr id="101" name="Shape 101"/>
         <p:cNvGrpSpPr/>
         <p:nvPr/>
       </p:nvGrpSpPr>
@@ -14461,7 +14893,7 @@
       </p:grpSpPr>
       <p:sp>
         <p:nvSpPr>
-          <p:cNvPr id="103" name="Google Shape;103;p21"/>
+          <p:cNvPr id="102" name="Google Shape;102;p21"/>
           <p:cNvSpPr txBox="1"/>
           <p:nvPr>
             <p:ph type="title"/>
@@ -14508,7 +14940,7 @@
       </p:sp>
       <p:sp>
         <p:nvSpPr>
-          <p:cNvPr id="104" name="Google Shape;104;p21"/>
+          <p:cNvPr id="103" name="Google Shape;103;p21"/>
           <p:cNvSpPr txBox="1"/>
           <p:nvPr>
             <p:ph idx="1" type="body"/>
@@ -14516,8 +14948,8 @@
         </p:nvSpPr>
         <p:spPr>
           <a:xfrm>
-            <a:off x="311700" y="1152475"/>
-            <a:ext cx="8520600" cy="3416400"/>
+            <a:off x="311700" y="953450"/>
+            <a:ext cx="8520600" cy="3882000"/>
           </a:xfrm>
           <a:prstGeom prst="rect">
             <a:avLst/>
@@ -14575,7 +15007,24 @@
             </a:pPr>
             <a:r>
               <a:rPr lang="en"/>
-              <a:t>Determined Tf_Idf was most appropriate</a:t>
+              <a:t>Determined N-Gram feature extraction using Tf-Idf was most appropriate (Term frequency - Inverse Document Frequency)</a:t>
+            </a:r>
+            <a:endParaRPr/>
+          </a:p>
+          <a:p>
+            <a:pPr indent="-317500" lvl="3" marL="1828800" rtl="0" algn="l">
+              <a:spcBef>
+                <a:spcPts val="0"/>
+              </a:spcBef>
+              <a:spcAft>
+                <a:spcPts val="0"/>
+              </a:spcAft>
+              <a:buSzPts val="1400"/>
+              <a:buChar char="●"/>
+            </a:pPr>
+            <a:r>
+              <a:rPr lang="en"/>
+              <a:t>Bag of Words, Word 2 Vec did not do as well</a:t>
             </a:r>
             <a:endParaRPr/>
           </a:p>
